--- a/Gen-PowerPoint-Demo.pptx
+++ b/Gen-PowerPoint-Demo.pptx
@@ -106,6 +106,483 @@
     </a:lvl9pPr>
   </p:defaultTextStyle>
 </p:presentation>
+</file>
+
+<file path=ppt/charts/chart1.xml><?xml version="1.0" encoding="utf-8"?>
+<c:chartSpace xmlns:c="http://schemas.openxmlformats.org/drawingml/2006/chart" xmlns:a="http://schemas.openxmlformats.org/drawingml/2006/main" xmlns:r="http://schemas.openxmlformats.org/officeDocument/2006/relationships">
+  <c:date1904 val="0"/>
+  <c:chart>
+    <c:autoTitleDeleted val="1"/>
+    <c:plotArea>
+      <c:layout/>
+      <c:lineChart>
+        <c:varyColors val="0"/>
+        <c:ser>
+          <c:idx val="0"/>
+          <c:order val="0"/>
+          <c:tx>
+            <c:strRef>
+              <c:f>Sheet1!$B$1</c:f>
+              <c:strCache>
+                <c:ptCount val="1"/>
+                <c:pt idx="0">
+                  <c:v>Actual Sales</c:v>
+                </c:pt>
+              </c:strCache>
+            </c:strRef>
+          </c:tx>
+          <c:invertIfNegative val="0"/>
+          <c:spPr>
+            <a:solidFill>
+              <a:srgbClr val="C0504D"/>
+            </a:solidFill>
+            <a:ln w="25400" cap="flat">
+              <a:solidFill>
+                <a:srgbClr val="C0504D"/>
+              </a:solidFill>
+              <a:prstDash val="solid"/>
+              <a:round/>
+            </a:ln>
+            <a:effectLst/>
+          </c:spPr>
+          <c:dLbls>
+            <c:numFmt formatCode="#,##0" sourceLinked="0"/>
+            <c:txPr>
+              <a:bodyPr/>
+              <a:lstStyle/>
+              <a:p>
+                <a:pPr>
+                  <a:defRPr b="0" i="0" strike="noStrike" sz="1200" u="none">
+                    <a:solidFill>
+                      <a:srgbClr val="000000"/>
+                    </a:solidFill>
+                    <a:latin typeface="Arial"/>
+                  </a:defRPr>
+                </a:pPr>
+              </a:p>
+            </c:txPr>
+            <c:dLblPos val="ctr"/>
+            <c:showLegendKey val="0"/>
+            <c:showVal val="0"/>
+            <c:showCatName val="0"/>
+            <c:showSerName val="0"/>
+            <c:showPercent val="0"/>
+            <c:showBubbleSize val="0"/>
+            <c:showLeaderLines val="0"/>
+          </c:dLbls>
+          <c:marker>
+            <c:symbol val="circle"/>
+            <c:size val="6"/>
+            <c:spPr>
+              <a:solidFill>
+                <a:srgbClr val="C0504D"/>
+              </a:solidFill>
+              <a:ln w="9525" cap="flat">
+                <a:solidFill>
+                  <a:srgbClr val="C0504D"/>
+                </a:solidFill>
+                <a:prstDash val="solid"/>
+                <a:round/>
+              </a:ln>
+              <a:effectLst/>
+            </c:spPr>
+          </c:marker>
+          <c:cat>
+            <c:strRef>
+              <c:f>Sheet1!$A$2:$A$13</c:f>
+              <c:strCache>
+                <c:ptCount val="12"/>
+                <c:pt idx="0">
+                  <c:v>Jan</c:v>
+                </c:pt>
+                <c:pt idx="1">
+                  <c:v>Feb</c:v>
+                </c:pt>
+                <c:pt idx="2">
+                  <c:v>Mar</c:v>
+                </c:pt>
+                <c:pt idx="3">
+                  <c:v>Apr</c:v>
+                </c:pt>
+                <c:pt idx="4">
+                  <c:v>May</c:v>
+                </c:pt>
+                <c:pt idx="5">
+                  <c:v>Jun</c:v>
+                </c:pt>
+                <c:pt idx="6">
+                  <c:v>Jul</c:v>
+                </c:pt>
+                <c:pt idx="7">
+                  <c:v>Aug</c:v>
+                </c:pt>
+                <c:pt idx="8">
+                  <c:v>Sep</c:v>
+                </c:pt>
+                <c:pt idx="9">
+                  <c:v>Oct</c:v>
+                </c:pt>
+                <c:pt idx="10">
+                  <c:v>Nov</c:v>
+                </c:pt>
+                <c:pt idx="11">
+                  <c:v>Dec</c:v>
+                </c:pt>
+              </c:strCache>
+            </c:strRef>
+          </c:cat>
+          <c:val>
+            <c:numRef>
+              <c:f>Sheet1!$B$2:$B$13</c:f>
+              <c:numCache>
+                <c:formatCode>General</c:formatCode>
+                <c:ptCount val="12"/>
+                <c:pt idx="0">
+                  <c:v>1500</c:v>
+                </c:pt>
+                <c:pt idx="1">
+                  <c:v>4600</c:v>
+                </c:pt>
+                <c:pt idx="2">
+                  <c:v>5156</c:v>
+                </c:pt>
+                <c:pt idx="3">
+                  <c:v>3167</c:v>
+                </c:pt>
+                <c:pt idx="4">
+                  <c:v>8510</c:v>
+                </c:pt>
+                <c:pt idx="5">
+                  <c:v>8009</c:v>
+                </c:pt>
+                <c:pt idx="6">
+                  <c:v>6006</c:v>
+                </c:pt>
+                <c:pt idx="7">
+                  <c:v>7855</c:v>
+                </c:pt>
+                <c:pt idx="8">
+                  <c:v>12102</c:v>
+                </c:pt>
+                <c:pt idx="9">
+                  <c:v>12789</c:v>
+                </c:pt>
+                <c:pt idx="10">
+                  <c:v>10123</c:v>
+                </c:pt>
+                <c:pt idx="11">
+                  <c:v>15121</c:v>
+                </c:pt>
+              </c:numCache>
+            </c:numRef>
+          </c:val>
+          <c:smooth val="0"/>
+        </c:ser>
+        <c:ser>
+          <c:idx val="1"/>
+          <c:order val="1"/>
+          <c:tx>
+            <c:strRef>
+              <c:f>Sheet1!$C$1</c:f>
+              <c:strCache>
+                <c:ptCount val="1"/>
+                <c:pt idx="0">
+                  <c:v>Projected Sales</c:v>
+                </c:pt>
+              </c:strCache>
+            </c:strRef>
+          </c:tx>
+          <c:invertIfNegative val="0"/>
+          <c:spPr>
+            <a:solidFill>
+              <a:srgbClr val="4F81BD"/>
+            </a:solidFill>
+            <a:ln w="25400" cap="flat">
+              <a:solidFill>
+                <a:srgbClr val="4F81BD"/>
+              </a:solidFill>
+              <a:prstDash val="solid"/>
+              <a:round/>
+            </a:ln>
+            <a:effectLst/>
+          </c:spPr>
+          <c:dLbls>
+            <c:numFmt formatCode="#,##0" sourceLinked="0"/>
+            <c:txPr>
+              <a:bodyPr/>
+              <a:lstStyle/>
+              <a:p>
+                <a:pPr>
+                  <a:defRPr b="0" i="0" strike="noStrike" sz="1200" u="none">
+                    <a:solidFill>
+                      <a:srgbClr val="000000"/>
+                    </a:solidFill>
+                    <a:latin typeface="Arial"/>
+                  </a:defRPr>
+                </a:pPr>
+              </a:p>
+            </c:txPr>
+            <c:dLblPos val="ctr"/>
+            <c:showLegendKey val="0"/>
+            <c:showVal val="0"/>
+            <c:showCatName val="0"/>
+            <c:showSerName val="0"/>
+            <c:showPercent val="0"/>
+            <c:showBubbleSize val="0"/>
+            <c:showLeaderLines val="0"/>
+          </c:dLbls>
+          <c:marker>
+            <c:symbol val="circle"/>
+            <c:size val="6"/>
+            <c:spPr>
+              <a:solidFill>
+                <a:srgbClr val="4F81BD"/>
+              </a:solidFill>
+              <a:ln w="9525" cap="flat">
+                <a:solidFill>
+                  <a:srgbClr val="4F81BD"/>
+                </a:solidFill>
+                <a:prstDash val="solid"/>
+                <a:round/>
+              </a:ln>
+              <a:effectLst/>
+            </c:spPr>
+          </c:marker>
+          <c:cat>
+            <c:strRef>
+              <c:f>Sheet1!$A$2:$A$13</c:f>
+              <c:strCache>
+                <c:ptCount val="12"/>
+                <c:pt idx="0">
+                  <c:v>Jan</c:v>
+                </c:pt>
+                <c:pt idx="1">
+                  <c:v>Feb</c:v>
+                </c:pt>
+                <c:pt idx="2">
+                  <c:v>Mar</c:v>
+                </c:pt>
+                <c:pt idx="3">
+                  <c:v>Apr</c:v>
+                </c:pt>
+                <c:pt idx="4">
+                  <c:v>May</c:v>
+                </c:pt>
+                <c:pt idx="5">
+                  <c:v>Jun</c:v>
+                </c:pt>
+                <c:pt idx="6">
+                  <c:v>Jul</c:v>
+                </c:pt>
+                <c:pt idx="7">
+                  <c:v>Aug</c:v>
+                </c:pt>
+                <c:pt idx="8">
+                  <c:v>Sep</c:v>
+                </c:pt>
+                <c:pt idx="9">
+                  <c:v>Oct</c:v>
+                </c:pt>
+                <c:pt idx="10">
+                  <c:v>Nov</c:v>
+                </c:pt>
+                <c:pt idx="11">
+                  <c:v>Dec</c:v>
+                </c:pt>
+              </c:strCache>
+            </c:strRef>
+          </c:cat>
+          <c:val>
+            <c:numRef>
+              <c:f>Sheet1!$C$2:$C$13</c:f>
+              <c:numCache>
+                <c:formatCode>General</c:formatCode>
+                <c:ptCount val="12"/>
+                <c:pt idx="0">
+                  <c:v>1000</c:v>
+                </c:pt>
+                <c:pt idx="1">
+                  <c:v>2600</c:v>
+                </c:pt>
+                <c:pt idx="2">
+                  <c:v>3456</c:v>
+                </c:pt>
+                <c:pt idx="3">
+                  <c:v>4567</c:v>
+                </c:pt>
+                <c:pt idx="4">
+                  <c:v>5010</c:v>
+                </c:pt>
+                <c:pt idx="5">
+                  <c:v>6009</c:v>
+                </c:pt>
+                <c:pt idx="6">
+                  <c:v>7006</c:v>
+                </c:pt>
+                <c:pt idx="7">
+                  <c:v>8855</c:v>
+                </c:pt>
+                <c:pt idx="8">
+                  <c:v>9102</c:v>
+                </c:pt>
+                <c:pt idx="9">
+                  <c:v>10789</c:v>
+                </c:pt>
+                <c:pt idx="10">
+                  <c:v>11123</c:v>
+                </c:pt>
+                <c:pt idx="11">
+                  <c:v>12121</c:v>
+                </c:pt>
+              </c:numCache>
+            </c:numRef>
+          </c:val>
+          <c:smooth val="0"/>
+        </c:ser>
+        <c:dLbls>
+          <c:numFmt formatCode="#,##0" sourceLinked="0"/>
+          <c:txPr>
+            <a:bodyPr/>
+            <a:lstStyle/>
+            <a:p>
+              <a:pPr>
+                <a:defRPr b="0" i="0" strike="noStrike" sz="1200" u="none">
+                  <a:solidFill>
+                    <a:srgbClr val="000000"/>
+                  </a:solidFill>
+                  <a:latin typeface="Arial"/>
+                </a:defRPr>
+              </a:pPr>
+            </a:p>
+          </c:txPr>
+          <c:dLblPos val="ctr"/>
+          <c:showLegendKey val="0"/>
+          <c:showVal val="0"/>
+          <c:showCatName val="0"/>
+          <c:showSerName val="0"/>
+          <c:showPercent val="0"/>
+          <c:showBubbleSize val="0"/>
+          <c:showLeaderLines val="0"/>
+        </c:dLbls>
+        <c:marker val="1"/>
+        <c:axId val="2094734554"/>
+        <c:axId val="2094734552"/>
+        <c:axId val="2094734556"/>
+      </c:lineChart>
+      <c:catAx>
+        <c:axId val="2094734554"/>
+        <c:scaling>
+          <c:orientation val="minMax"/>
+        </c:scaling>
+        <c:delete val="0"/>
+        <c:axPos val="b"/>
+        <c:numFmt formatCode="General" sourceLinked="0"/>
+        <c:majorTickMark val="out"/>
+        <c:minorTickMark val="none"/>
+        <c:tickLblPos val="low"/>
+        <c:spPr>
+          <a:ln w="12700" cap="flat">
+            <a:solidFill>
+              <a:srgbClr val="888888"/>
+            </a:solidFill>
+            <a:prstDash val="solid"/>
+            <a:round/>
+          </a:ln>
+        </c:spPr>
+        <c:txPr>
+          <a:bodyPr/>
+          <a:lstStyle/>
+          <a:p>
+            <a:pPr>
+              <a:defRPr sz="1200" b="0" i="0" u="none" strike="noStrike">
+                <a:solidFill>
+                  <a:srgbClr val="000000"/>
+                </a:solidFill>
+                <a:latin typeface="Arial"/>
+              </a:defRPr>
+            </a:pPr>
+            <a:endParaRPr lang="en-US"/>
+          </a:p>
+        </c:txPr>
+        <c:crossAx val="2094734552"/>
+        <c:crosses val="autoZero"/>
+        <c:auto val="1"/>
+        <c:lblAlgn val="ctr"/>
+        <c:noMultiLvlLbl val="1"/>
+      </c:catAx>
+      <c:valAx>
+        <c:axId val="2094734552"/>
+        <c:scaling>
+          <c:orientation val="minMax"/>
+        </c:scaling>
+        <c:delete val="0"/>
+        <c:axPos val="l"/>
+        <c:majorGridlines>
+          <c:spPr>
+            <a:ln w="12700" cap="flat">
+              <a:solidFill>
+                <a:srgbClr val="888888"/>
+              </a:solidFill>
+              <a:prstDash val="solid"/>
+              <a:round/>
+            </a:ln>
+          </c:spPr>
+        </c:majorGridlines>
+        <c:numFmt formatCode="General" sourceLinked="0"/>
+        <c:majorTickMark val="out"/>
+        <c:minorTickMark val="none"/>
+        <c:tickLblPos val="nextTo"/>
+        <c:spPr>
+          <a:ln w="12700" cap="flat">
+            <a:solidFill>
+              <a:srgbClr val="888888"/>
+            </a:solidFill>
+            <a:prstDash val="solid"/>
+            <a:round/>
+          </a:ln>
+        </c:spPr>
+        <c:txPr>
+          <a:bodyPr/>
+          <a:lstStyle/>
+          <a:p>
+            <a:pPr>
+              <a:defRPr sz="1200" b="0" i="0" u="none" strike="noStrike">
+                <a:solidFill>
+                  <a:srgbClr val="000000"/>
+                </a:solidFill>
+                <a:latin typeface="Arial"/>
+              </a:defRPr>
+            </a:pPr>
+            <a:endParaRPr lang="en-US"/>
+          </a:p>
+        </c:txPr>
+        <c:crossAx val="2094734554"/>
+        <c:crosses val="autoZero"/>
+        <c:crossBetween val="between"/>
+      </c:valAx>
+      <c:spPr>
+        <a:noFill/>
+        <a:ln>
+          <a:noFill/>
+        </a:ln>
+        <a:effectLst/>
+      </c:spPr>
+    </c:plotArea>
+    <c:plotVisOnly val="1"/>
+    <c:dispBlanksAs val="span"/>
+  </c:chart>
+  <c:spPr>
+    <a:noFill/>
+    <a:ln w="12700" cap="flat">
+      <a:noFill/>
+      <a:miter lim="400000"/>
+    </a:ln>
+    <a:effectLst/>
+  </c:spPr>
+  <c:externalData r:id="rId1">
+    <c:autoUpdate val="0"/>
+  </c:externalData>
+</c:chartSpace>
 </file>
 
 <file path=ppt/notesMasters/notesMaster1.xml><?xml version="1.0" encoding="utf-8"?>
@@ -1087,6 +1564,22 @@
           <a:chExt cx="0" cy="0"/>
         </a:xfrm>
       </p:grpSpPr>
+      <p:graphicFrame>
+        <p:nvGraphicFramePr>
+          <p:cNvPr id="2" name="Chart 1" descr=""/>
+          <p:cNvGraphicFramePr/>
+          <p:nvPr/>
+        </p:nvGraphicFramePr>
+        <p:xfrm>
+          <a:off x="914400" y="914400"/>
+          <a:ext cx="7315200" cy="3657600"/>
+        </p:xfrm>
+        <a:graphic xmlns:a="http://schemas.openxmlformats.org/drawingml/2006/main">
+          <a:graphicData uri="http://schemas.openxmlformats.org/drawingml/2006/chart">
+            <c:chart xmlns:c="http://schemas.openxmlformats.org/drawingml/2006/chart" r:id="rId1"/>
+          </a:graphicData>
+        </a:graphic>
+      </p:graphicFrame>
       <p:sp>
         <p:nvSpPr>
           <p:cNvPr id="25" name="Slide Number Placeholder 24"/>

--- a/Gen-PowerPoint-Demo.pptx
+++ b/Gen-PowerPoint-Demo.pptx
@@ -11,8 +11,8 @@
   <p:notesMasterIdLst>
     <p:notesMasterId r:id="rId4"/>
   </p:notesMasterIdLst>
-  <p:sldSz cx="15087600" cy="10698480"/>
-  <p:notesSz cx="10698480" cy="15087600"/>
+  <p:sldSz cx="9144000" cy="5143500"/>
+  <p:notesSz cx="5143500" cy="9144000"/>
   <p:defaultTextStyle>
     <a:lvl1pPr marL="0" algn="l" defTabSz="914400" rtl="0" eaLnBrk="1" latinLnBrk="0" hangingPunct="1">
       <a:defRPr sz="1800" kern="1200">
@@ -108,7 +108,7 @@
 </p:presentation>
 </file>
 
-<file path=ppt/charts/chart1.xml><?xml version="1.0" encoding="utf-8"?>
+<file path=ppt/charts/chart8.xml><?xml version="1.0" encoding="utf-8"?>
 <c:chartSpace xmlns:c="http://schemas.openxmlformats.org/drawingml/2006/chart" xmlns:a="http://schemas.openxmlformats.org/drawingml/2006/main" xmlns:r="http://schemas.openxmlformats.org/officeDocument/2006/relationships">
   <c:date1904 val="0"/>
   <c:chart>
@@ -1144,7 +1144,7 @@
         </p:nvSpPr>
         <p:spPr>
           <a:xfrm>
-            <a:off x="914400" y="4886325"/>
+            <a:off x="8686800" y="4886325"/>
             <a:ext cx="800000" cy="300000"/>
           </a:xfrm>
           <a:prstGeom prst="rect">
@@ -1162,7 +1162,7 @@
             <a:lvl1pPr>
               <a:defRPr sz="3200">
                 <a:solidFill>
-                  <a:srgbClr val="CF0101"/>
+                  <a:srgbClr val="FF3399"/>
                 </a:solidFill>
                 <a:latin typeface="Courier"/>
                 <a:ea typeface="Courier"/>
@@ -1217,7 +1217,7 @@
         </p:nvSpPr>
         <p:spPr>
           <a:xfrm>
-            <a:off x="914400" y="4886325"/>
+            <a:off x="8686800" y="4886325"/>
             <a:ext cx="800000" cy="300000"/>
           </a:xfrm>
           <a:prstGeom prst="rect">
@@ -1235,7 +1235,7 @@
             <a:lvl1pPr>
               <a:defRPr sz="3200">
                 <a:solidFill>
-                  <a:srgbClr val="CF0101"/>
+                  <a:srgbClr val="FF3399"/>
                 </a:solidFill>
                 <a:latin typeface="Courier"/>
                 <a:ea typeface="Courier"/>
@@ -1544,9 +1544,7 @@
     <p:bg>
       <p:bgPr>
         <a:solidFill>
-          <a:srgbClr val="FF3399">
-            <a:alpha val="50000"/>
-          </a:srgbClr>
+          <a:srgbClr val="F1F1F1"/>
         </a:solidFill>
       </p:bgPr>
     </p:bg>
@@ -1592,7 +1590,7 @@
         </p:nvSpPr>
         <p:spPr>
           <a:xfrm>
-            <a:off x="914400" y="10163556"/>
+            <a:off x="8686800" y="4886325"/>
             <a:ext cx="800000" cy="300000"/>
           </a:xfrm>
           <a:prstGeom prst="rect">
@@ -1610,7 +1608,7 @@
             <a:lvl1pPr>
               <a:defRPr sz="3200">
                 <a:solidFill>
-                  <a:srgbClr val="CF0101"/>
+                  <a:srgbClr val="FF3399"/>
                 </a:solidFill>
                 <a:latin typeface="Courier"/>
                 <a:ea typeface="Courier"/>

--- a/Gen-PowerPoint-Demo.pptx
+++ b/Gen-PowerPoint-Demo.pptx
@@ -11,8 +11,8 @@
   <p:notesMasterIdLst>
     <p:notesMasterId r:id="rId4"/>
   </p:notesMasterIdLst>
-  <p:sldSz cx="9144000" cy="5143500"/>
-  <p:notesSz cx="5143500" cy="9144000"/>
+  <p:sldSz cx="12192000" cy="6858000"/>
+  <p:notesSz cx="6858000" cy="12192000"/>
   <p:defaultTextStyle>
     <a:lvl1pPr marL="0" algn="l" defTabSz="914400" rtl="0" eaLnBrk="1" latinLnBrk="0" hangingPunct="1">
       <a:defRPr sz="1800" kern="1200">
@@ -115,7 +115,8 @@
     <c:autoTitleDeleted val="1"/>
     <c:plotArea>
       <c:layout/>
-      <c:lineChart>
+      <c:radarChart>
+        <c:radarStyle val="standard"/>
         <c:varyColors val="0"/>
         <c:ser>
           <c:idx val="0"/>
@@ -136,40 +137,8 @@
             <a:solidFill>
               <a:srgbClr val="C0504D"/>
             </a:solidFill>
-            <a:ln w="25400" cap="flat">
-              <a:solidFill>
-                <a:srgbClr val="C0504D"/>
-              </a:solidFill>
-              <a:prstDash val="solid"/>
-              <a:round/>
-            </a:ln>
             <a:effectLst/>
           </c:spPr>
-          <c:dLbls>
-            <c:numFmt formatCode="#,##0" sourceLinked="0"/>
-            <c:txPr>
-              <a:bodyPr/>
-              <a:lstStyle/>
-              <a:p>
-                <a:pPr>
-                  <a:defRPr b="0" i="0" strike="noStrike" sz="1200" u="none">
-                    <a:solidFill>
-                      <a:srgbClr val="000000"/>
-                    </a:solidFill>
-                    <a:latin typeface="Arial"/>
-                  </a:defRPr>
-                </a:pPr>
-              </a:p>
-            </c:txPr>
-            <c:dLblPos val="ctr"/>
-            <c:showLegendKey val="0"/>
-            <c:showVal val="0"/>
-            <c:showCatName val="0"/>
-            <c:showSerName val="0"/>
-            <c:showPercent val="0"/>
-            <c:showBubbleSize val="0"/>
-            <c:showLeaderLines val="0"/>
-          </c:dLbls>
           <c:marker>
             <c:symbol val="circle"/>
             <c:size val="6"/>
@@ -276,7 +245,6 @@
               </c:numCache>
             </c:numRef>
           </c:val>
-          <c:smooth val="0"/>
         </c:ser>
         <c:ser>
           <c:idx val="1"/>
@@ -297,40 +265,8 @@
             <a:solidFill>
               <a:srgbClr val="4F81BD"/>
             </a:solidFill>
-            <a:ln w="25400" cap="flat">
-              <a:solidFill>
-                <a:srgbClr val="4F81BD"/>
-              </a:solidFill>
-              <a:prstDash val="solid"/>
-              <a:round/>
-            </a:ln>
             <a:effectLst/>
           </c:spPr>
-          <c:dLbls>
-            <c:numFmt formatCode="#,##0" sourceLinked="0"/>
-            <c:txPr>
-              <a:bodyPr/>
-              <a:lstStyle/>
-              <a:p>
-                <a:pPr>
-                  <a:defRPr b="0" i="0" strike="noStrike" sz="1200" u="none">
-                    <a:solidFill>
-                      <a:srgbClr val="000000"/>
-                    </a:solidFill>
-                    <a:latin typeface="Arial"/>
-                  </a:defRPr>
-                </a:pPr>
-              </a:p>
-            </c:txPr>
-            <c:dLblPos val="ctr"/>
-            <c:showLegendKey val="0"/>
-            <c:showVal val="0"/>
-            <c:showCatName val="0"/>
-            <c:showSerName val="0"/>
-            <c:showPercent val="0"/>
-            <c:showBubbleSize val="0"/>
-            <c:showLeaderLines val="0"/>
-          </c:dLbls>
           <c:marker>
             <c:symbol val="circle"/>
             <c:size val="6"/>
@@ -437,7 +373,6 @@
               </c:numCache>
             </c:numRef>
           </c:val>
-          <c:smooth val="0"/>
         </c:ser>
         <c:dLbls>
           <c:numFmt formatCode="#,##0" sourceLinked="0"/>
@@ -455,7 +390,6 @@
               </a:pPr>
             </a:p>
           </c:txPr>
-          <c:dLblPos val="ctr"/>
           <c:showLegendKey val="0"/>
           <c:showVal val="0"/>
           <c:showCatName val="0"/>
@@ -464,11 +398,10 @@
           <c:showBubbleSize val="0"/>
           <c:showLeaderLines val="0"/>
         </c:dLbls>
-        <c:marker val="1"/>
         <c:axId val="2094734554"/>
         <c:axId val="2094734552"/>
         <c:axId val="2094734556"/>
-      </c:lineChart>
+      </c:radarChart>
       <c:catAx>
         <c:axId val="2094734554"/>
         <c:scaling>
@@ -1132,6 +1065,116 @@
           <a:chExt cx="0" cy="0"/>
         </a:xfrm>
       </p:grpSpPr>
+    </p:spTree>
+  </p:cSld>
+  <p:clrMapOvr>
+    <a:masterClrMapping/>
+  </p:clrMapOvr>
+</p:sldLayout>
+</file>
+
+<file path=ppt/slideLayouts/slideLayout2.xml><?xml version="1.0" encoding="utf-8"?>
+<p:sldLayout xmlns:a="http://schemas.openxmlformats.org/drawingml/2006/main" xmlns:r="http://schemas.openxmlformats.org/officeDocument/2006/relationships" xmlns:p="http://schemas.openxmlformats.org/presentationml/2006/main" preserve="1">
+  <p:cSld name="MASTER_SLIDE">
+    <p:bg>
+      <p:bgPr>
+        <a:solidFill>
+          <a:srgbClr val="FFFFFF"/>
+        </a:solidFill>
+      </p:bgPr>
+    </p:bg>
+    <p:spTree>
+      <p:nvGrpSpPr>
+        <p:cNvPr id="1" name=""/>
+        <p:cNvGrpSpPr/>
+        <p:nvPr/>
+      </p:nvGrpSpPr>
+      <p:grpSpPr>
+        <a:xfrm>
+          <a:off x="0" y="0"/>
+          <a:ext cx="0" cy="0"/>
+          <a:chOff x="0" y="0"/>
+          <a:chExt cx="0" cy="0"/>
+        </a:xfrm>
+      </p:grpSpPr>
+      <p:sp>
+        <p:nvSpPr>
+          <p:cNvPr id="2" name="Object1"/>
+          <p:cNvSpPr/>
+          <p:nvPr/>
+        </p:nvSpPr>
+        <p:spPr>
+          <a:xfrm>
+            <a:off x="0" y="4846320"/>
+            <a:ext cx="12192000" cy="685800"/>
+          </a:xfrm>
+          <a:prstGeom prst="rect">
+            <a:avLst/>
+          </a:prstGeom>
+          <a:solidFill>
+            <a:srgbClr val="F1F1F1"/>
+          </a:solidFill>
+          <a:ln/>
+        </p:spPr>
+      </p:sp>
+      <p:sp>
+        <p:nvSpPr>
+          <p:cNvPr id="3" name="Object2"/>
+          <p:cNvSpPr/>
+          <p:nvPr/>
+        </p:nvSpPr>
+        <p:spPr>
+          <a:xfrm>
+            <a:off x="2743200" y="4846320"/>
+            <a:ext cx="5029200" cy="685800"/>
+          </a:xfrm>
+          <a:prstGeom prst="rect">
+            <a:avLst/>
+          </a:prstGeom>
+          <a:noFill/>
+          <a:ln/>
+        </p:spPr>
+        <p:txBody>
+          <a:bodyPr wrap="square" rtlCol="0" anchor="ctr"/>
+          <a:lstStyle/>
+          <a:p>
+            <a:pPr/>
+            <a:r>
+              <a:rPr lang="en-US" dirty="0">
+                <a:solidFill>
+                  <a:srgbClr val="000000"/>
+                </a:solidFill>
+              </a:rPr>
+              <a:t>Status Report</a:t>
+            </a:r>
+            <a:endParaRPr lang="en-US" dirty="0"/>
+          </a:p>
+        </p:txBody>
+      </p:sp>
+      <p:pic>
+        <p:nvPicPr>
+          <p:cNvPr id="4" name="Object 3" descr="images/lotus001.jpeg">    </p:cNvPr>
+          <p:cNvPicPr>
+            <a:picLocks noChangeAspect="1"/>
+          </p:cNvPicPr>
+          <p:nvPr/>
+        </p:nvPicPr>
+        <p:blipFill>
+          <a:blip r:embed="rId1"/>
+          <a:stretch>
+            <a:fillRect/>
+          </a:stretch>
+        </p:blipFill>
+        <p:spPr>
+          <a:xfrm>
+            <a:off x="10332720" y="274320"/>
+            <a:ext cx="1463040" cy="274320"/>
+          </a:xfrm>
+          <a:prstGeom prst="rect">
+            <a:avLst/>
+          </a:prstGeom>
+        </p:spPr>
+      </p:pic>
       <p:sp>
         <p:nvSpPr>
           <p:cNvPr id="25" name="Slide Number Placeholder 24"/>
@@ -1144,7 +1187,7 @@
         </p:nvSpPr>
         <p:spPr>
           <a:xfrm>
-            <a:off x="8686800" y="4886325"/>
+            <a:off x="10972800" y="6172200"/>
             <a:ext cx="800000" cy="300000"/>
           </a:xfrm>
           <a:prstGeom prst="rect">
@@ -1159,16 +1202,7 @@
         <p:txBody>
           <a:bodyPr/>
           <a:lstStyle>
-            <a:lvl1pPr>
-              <a:defRPr sz="3200">
-                <a:solidFill>
-                  <a:srgbClr val="FF3399"/>
-                </a:solidFill>
-                <a:latin typeface="Courier"/>
-                <a:ea typeface="Courier"/>
-                <a:cs typeface="Courier"/>
-              </a:defRPr>
-            </a:lvl1pPr>
+            <a:lvl1pPr/>
           </a:lstStyle>
           <a:p>
             <a:fld id="{F7021451-1387-4CA6-816F-3879F97B5CBC}" type="slidenum">
@@ -1217,7 +1251,7 @@
         </p:nvSpPr>
         <p:spPr>
           <a:xfrm>
-            <a:off x="8686800" y="4886325"/>
+            <a:off x="8229600" y="4629150"/>
             <a:ext cx="800000" cy="300000"/>
           </a:xfrm>
           <a:prstGeom prst="rect">
@@ -1232,16 +1266,7 @@
         <p:txBody>
           <a:bodyPr/>
           <a:lstStyle>
-            <a:lvl1pPr>
-              <a:defRPr sz="3200">
-                <a:solidFill>
-                  <a:srgbClr val="FF3399"/>
-                </a:solidFill>
-                <a:latin typeface="Courier"/>
-                <a:ea typeface="Courier"/>
-                <a:cs typeface="Courier"/>
-              </a:defRPr>
-            </a:lvl1pPr>
+            <a:lvl1pPr/>
           </a:lstStyle>
           <a:p>
             <a:fld id="{F7021451-1387-4CA6-816F-3879F97B5CBC}" type="slidenum">
@@ -1258,6 +1283,7 @@
   <p:clrMap bg1="lt1" tx1="dk1" bg2="lt2" tx2="dk2" accent1="accent1" accent2="accent2" accent3="accent3" accent4="accent4" accent5="accent5" accent6="accent6" hlink="hlink" folHlink="folHlink"/>
   <p:sldLayoutIdLst>
     <p:sldLayoutId id="2147483649" r:id="rId1"/>
+    <p:sldLayoutId id="2147483650" r:id="rId2"/>
   </p:sldLayoutIdLst>
   <p:hf sldNum="0" hdr="0" ftr="0" dt="0"/>
   <p:txStyles>
@@ -1530,6 +1556,79 @@
           <a:chExt cx="0" cy="0"/>
         </a:xfrm>
       </p:grpSpPr>
+      <p:sp>
+        <p:nvSpPr>
+          <p:cNvPr id="2" name="Object1"/>
+          <p:cNvSpPr/>
+          <p:nvPr/>
+        </p:nvSpPr>
+        <p:spPr>
+          <a:xfrm>
+            <a:off x="457200" y="640080"/>
+            <a:ext cx="9144000" cy="0"/>
+          </a:xfrm>
+          <a:prstGeom prst="rect">
+            <a:avLst/>
+          </a:prstGeom>
+          <a:noFill/>
+          <a:ln/>
+        </p:spPr>
+        <p:txBody>
+          <a:bodyPr wrap="square" rtlCol="0" anchor="ctr"/>
+          <a:lstStyle/>
+          <a:p>
+            <a:pPr/>
+            <a:r>
+              <a:rPr lang="en-US" sz="1800" dirty="0">
+                <a:solidFill>
+                  <a:srgbClr val="000000"/>
+                </a:solidFill>
+              </a:rPr>
+              <a:t>How To Create PowerPoint Presentations with JavaScript</a:t>
+            </a:r>
+            <a:endParaRPr lang="en-US" sz="1800" dirty="0"/>
+          </a:p>
+        </p:txBody>
+      </p:sp>
+      <p:sp>
+        <p:nvSpPr>
+          <p:cNvPr id="25" name="Slide Number Placeholder 24"/>
+          <p:cNvSpPr>
+            <a:spLocks noGrp="1"/>
+          </p:cNvSpPr>
+          <p:nvPr>
+            <p:ph type="sldNum" sz="quarter" idx="4294967295"/>
+          </p:nvPr>
+        </p:nvSpPr>
+        <p:spPr>
+          <a:xfrm>
+            <a:off x="10972800" y="6172200"/>
+            <a:ext cx="800000" cy="300000"/>
+          </a:xfrm>
+          <a:prstGeom prst="rect">
+            <a:avLst/>
+          </a:prstGeom>
+          <a:extLst>
+            <a:ext uri="{C572A759-6A51-4108-AA02-DFA0A04FC94B}">
+              <ma14:wrappingTextBoxFlag xmlns:ma14="http://schemas.microsoft.com/office/mac/drawingml/2011/main" val="0"/>
+            </a:ext>
+          </a:extLst>
+        </p:spPr>
+        <p:txBody>
+          <a:bodyPr/>
+          <a:lstStyle>
+            <a:lvl1pPr/>
+          </a:lstStyle>
+          <a:p>
+            <a:fld id="{F7021451-1387-4CA6-816F-3879F97B5CBC}" type="slidenum">
+              <a:rPr lang="en-US"/>
+              <a:pPr algn="l"/>
+              <a:t/>
+            </a:fld>
+            <a:endParaRPr lang="en-US"/>
+          </a:p>
+        </p:txBody>
+      </p:sp>
     </p:spTree>
   </p:cSld>
   <p:clrMapOvr>
@@ -1590,7 +1689,7 @@
         </p:nvSpPr>
         <p:spPr>
           <a:xfrm>
-            <a:off x="8686800" y="4886325"/>
+            <a:off x="10972800" y="6172200"/>
             <a:ext cx="800000" cy="300000"/>
           </a:xfrm>
           <a:prstGeom prst="rect">
@@ -1605,16 +1704,7 @@
         <p:txBody>
           <a:bodyPr/>
           <a:lstStyle>
-            <a:lvl1pPr>
-              <a:defRPr sz="3200">
-                <a:solidFill>
-                  <a:srgbClr val="FF3399"/>
-                </a:solidFill>
-                <a:latin typeface="Courier"/>
-                <a:ea typeface="Courier"/>
-                <a:cs typeface="Courier"/>
-              </a:defRPr>
-            </a:lvl1pPr>
+            <a:lvl1pPr/>
           </a:lstStyle>
           <a:p>
             <a:fld id="{F7021451-1387-4CA6-816F-3879F97B5CBC}" type="slidenum">

--- a/Gen-PowerPoint-Demo.pptx
+++ b/Gen-PowerPoint-Demo.pptx
@@ -108,7 +108,7 @@
 </p:presentation>
 </file>
 
-<file path=ppt/charts/chart8.xml><?xml version="1.0" encoding="utf-8"?>
+<file path=ppt/charts/chart9.xml><?xml version="1.0" encoding="utf-8"?>
 <c:chartSpace xmlns:c="http://schemas.openxmlformats.org/drawingml/2006/chart" xmlns:a="http://schemas.openxmlformats.org/drawingml/2006/main" xmlns:r="http://schemas.openxmlformats.org/officeDocument/2006/relationships">
   <c:date1904 val="0"/>
   <c:chart>
@@ -1168,7 +1168,7 @@
         <p:spPr>
           <a:xfrm>
             <a:off x="10332720" y="274320"/>
-            <a:ext cx="1463040" cy="274320"/>
+            <a:ext cx="1463040" cy="457200"/>
           </a:xfrm>
           <a:prstGeom prst="rect">
             <a:avLst/>

--- a/Gen-PowerPoint-Demo.pptx
+++ b/Gen-PowerPoint-Demo.pptx
@@ -108,7 +108,7 @@
 </p:presentation>
 </file>
 
-<file path=ppt/charts/chart9.xml><?xml version="1.0" encoding="utf-8"?>
+<file path=ppt/charts/chart11.xml><?xml version="1.0" encoding="utf-8"?>
 <c:chartSpace xmlns:c="http://schemas.openxmlformats.org/drawingml/2006/chart" xmlns:a="http://schemas.openxmlformats.org/drawingml/2006/main" xmlns:r="http://schemas.openxmlformats.org/officeDocument/2006/relationships">
   <c:date1904 val="0"/>
   <c:chart>
@@ -1177,6 +1177,49 @@
       </p:pic>
       <p:sp>
         <p:nvSpPr>
+          <p:cNvPr id="5" name="Object4"/>
+          <p:cNvSpPr/>
+          <p:nvPr>
+            <p:ph idx="103" type="body" hasCustomPrompt="1"/>
+          </p:nvPr>
+        </p:nvSpPr>
+        <p:spPr>
+          <a:xfrm>
+            <a:off x="548640" y="1371600"/>
+            <a:ext cx="10972800" cy="4800600"/>
+          </a:xfrm>
+          <a:prstGeom prst="rect">
+            <a:avLst/>
+          </a:prstGeom>
+          <a:noFill/>
+          <a:ln/>
+        </p:spPr>
+        <p:txBody>
+          <a:bodyPr wrap="square" rtlCol="0"/>
+          <a:lstStyle>
+            <a:lvl1pPr indent="0" marL="0">
+              <a:buNone/>
+              <a:defRPr lang="en-US" dirty="0"/>
+            </a:lvl1pPr>
+          </a:lstStyle>
+          <a:p>
+            <a:pPr indent="0" marL="0">
+              <a:buNone/>
+            </a:pPr>
+            <a:r>
+              <a:rPr lang="en-US" dirty="0">
+                <a:solidFill>
+                  <a:srgbClr val="000000"/>
+                </a:solidFill>
+              </a:rPr>
+              <a:t>(custom placeholder text!)</a:t>
+            </a:r>
+            <a:endParaRPr lang="en-US" dirty="0"/>
+          </a:p>
+        </p:txBody>
+      </p:sp>
+      <p:sp>
+        <p:nvSpPr>
           <p:cNvPr id="25" name="Slide Number Placeholder 24"/>
           <p:cNvSpPr>
             <a:spLocks noGrp="1"/>
@@ -1592,6 +1635,40 @@
       </p:sp>
       <p:sp>
         <p:nvSpPr>
+          <p:cNvPr id="3" name="Object2"/>
+          <p:cNvSpPr/>
+          <p:nvPr>
+            <p:ph idx="103" type="body" hasCustomPrompt="1"/>
+          </p:nvPr>
+        </p:nvSpPr>
+        <p:spPr>
+          <a:xfrm>
+            <a:off x="548640" y="1371600"/>
+            <a:ext cx="10972800" cy="4800600"/>
+          </a:xfrm>
+          <a:prstGeom prst="rect">
+            <a:avLst/>
+          </a:prstGeom>
+          <a:noFill/>
+          <a:ln/>
+        </p:spPr>
+        <p:txBody>
+          <a:bodyPr wrap="square" rtlCol="0"/>
+          <a:lstStyle/>
+          <a:p>
+            <a:pPr indent="0" marL="0">
+              <a:buNone/>
+            </a:pPr>
+            <a:r>
+              <a:rPr lang="en-US" dirty="0"/>
+              <a:t>This is easy</a:t>
+            </a:r>
+            <a:endParaRPr lang="en-US" dirty="0"/>
+          </a:p>
+        </p:txBody>
+      </p:sp>
+      <p:sp>
+        <p:nvSpPr>
           <p:cNvPr id="25" name="Slide Number Placeholder 24"/>
           <p:cNvSpPr>
             <a:spLocks noGrp="1"/>
@@ -1677,6 +1754,34 @@
           </a:graphicData>
         </a:graphic>
       </p:graphicFrame>
+      <p:sp>
+        <p:nvSpPr>
+          <p:cNvPr id="3" name="Object2"/>
+          <p:cNvSpPr/>
+          <p:nvPr>
+            <p:ph idx="103" type="body" hasCustomPrompt="1"/>
+          </p:nvPr>
+        </p:nvSpPr>
+        <p:spPr>
+          <a:xfrm>
+            <a:off x="548640" y="1371600"/>
+            <a:ext cx="10972800" cy="4800600"/>
+          </a:xfrm>
+          <a:prstGeom prst="rect">
+            <a:avLst/>
+          </a:prstGeom>
+          <a:noFill/>
+          <a:ln/>
+        </p:spPr>
+        <p:txBody>
+          <a:bodyPr wrap="square" rtlCol="0"/>
+          <a:lstStyle/>
+          <a:p>
+            <a:pPr/>
+            <a:endParaRPr lang="en-US" dirty="0"/>
+          </a:p>
+        </p:txBody>
+      </p:sp>
       <p:sp>
         <p:nvSpPr>
           <p:cNvPr id="25" name="Slide Number Placeholder 24"/>

--- a/Gen-PowerPoint-Demo.pptx
+++ b/Gen-PowerPoint-Demo.pptx
@@ -7,9 +7,10 @@
   <p:sldIdLst>
     <p:sldId id="256" r:id="rId2"/>
     <p:sldId id="257" r:id="rId3"/>
+    <p:sldId id="258" r:id="rId4"/>
   </p:sldIdLst>
   <p:notesMasterIdLst>
-    <p:notesMasterId r:id="rId4"/>
+    <p:notesMasterId r:id="rId5"/>
   </p:notesMasterIdLst>
   <p:sldSz cx="12192000" cy="6858000"/>
   <p:notesSz cx="6858000" cy="12192000"/>
@@ -105,10 +106,24 @@
       </a:defRPr>
     </a:lvl9pPr>
   </p:defaultTextStyle>
+  <p:extLst>
+    <p:ext uri="{521415D9-36F7-43E2-AB2F-B90AF26B5E84}">
+      <p14:sectionLst xmlns:p14="http://schemas.microsoft.com/office/powerpoint/2010/main">
+        <p14:section name="Tables" id="{6855db97-c725-a311-45ab-6e98af26cfd6}">
+          <p14:sldIdLst>
+            <p14:sldId id="258"/>
+          </p14:sldIdLst>
+        </p14:section>
+      </p14:sectionLst>
+    </p:ext>
+    <p:ext uri="{EFAFB233-063F-42B5-8137-9DF3F51BA10A}">
+      <p15:sldGuideLst xmlns:p15="http://schemas.microsoft.com/office/powerpoint/2012/main"/>
+    </p:ext>
+  </p:extLst>
 </p:presentation>
 </file>
 
-<file path=ppt/charts/chart11.xml><?xml version="1.0" encoding="utf-8"?>
+<file path=ppt/charts/chart14.xml><?xml version="1.0" encoding="utf-8"?>
 <c:chartSpace xmlns:c="http://schemas.openxmlformats.org/drawingml/2006/chart" xmlns:a="http://schemas.openxmlformats.org/drawingml/2006/main" xmlns:r="http://schemas.openxmlformats.org/officeDocument/2006/relationships">
   <c:date1904 val="0"/>
   <c:chart>
@@ -1025,6 +1040,94 @@
             <a:fld id="{F7021451-1387-4CA6-816F-3879F97B5CBC}" type="slidenum">
               <a:rPr lang="en-US"/>
               <a:t>2</a:t>
+            </a:fld>
+            <a:endParaRPr lang="en-US"/>
+          </a:p>
+        </p:txBody>
+      </p:sp>
+    </p:spTree>
+    <p:extLst>
+      <p:ext uri="{BB962C8B-B14F-4D97-AF65-F5344CB8AC3E}">
+        <p14:creationId xmlns:p14="http://schemas.microsoft.com/office/powerpoint/2010/main" val="1024086991"/>
+      </p:ext>
+    </p:extLst>
+  </p:cSld>
+  <p:clrMapOvr>
+    <a:masterClrMapping/>
+  </p:clrMapOvr>
+</p:notes>
+</file>
+
+<file path=ppt/notesSlides/notesSlide3.xml><?xml version="1.0" encoding="utf-8"?>
+<p:notes xmlns:a="http://schemas.openxmlformats.org/drawingml/2006/main" xmlns:r="http://schemas.openxmlformats.org/officeDocument/2006/relationships" xmlns:p="http://schemas.openxmlformats.org/presentationml/2006/main">
+  <p:cSld>
+    <p:spTree>
+      <p:nvGrpSpPr>
+        <p:cNvPr id="1" name=""/>
+        <p:cNvGrpSpPr/>
+        <p:nvPr/>
+      </p:nvGrpSpPr>
+      <p:grpSpPr>
+        <a:xfrm>
+          <a:off x="0" y="0"/>
+          <a:ext cx="0" cy="0"/>
+          <a:chOff x="0" y="0"/>
+          <a:chExt cx="0" cy="0"/>
+        </a:xfrm>
+      </p:grpSpPr>
+      <p:sp>
+        <p:nvSpPr>
+          <p:cNvPr id="2" name="Slide Image Placeholder 1"/>
+          <p:cNvSpPr>
+            <a:spLocks noGrp="1" noRot="1" noChangeAspect="1"/>
+          </p:cNvSpPr>
+          <p:nvPr>
+            <p:ph type="sldImg"/>
+          </p:nvPr>
+        </p:nvSpPr>
+        <p:spPr/>
+      </p:sp>
+      <p:sp>
+        <p:nvSpPr>
+          <p:cNvPr id="3" name="Notes Placeholder 2"/>
+          <p:cNvSpPr>
+            <a:spLocks noGrp="1"/>
+          </p:cNvSpPr>
+          <p:nvPr>
+            <p:ph type="body" idx="1"/>
+          </p:nvPr>
+        </p:nvSpPr>
+        <p:spPr/>
+        <p:txBody>
+          <a:bodyPr/>
+          <a:lstStyle/>
+          <a:p>
+            <a:r>
+              <a:rPr lang="en-US" dirty="0"/>
+              <a:t/>
+            </a:r>
+            <a:endParaRPr lang="en-US" dirty="0"/>
+          </a:p>
+        </p:txBody>
+      </p:sp>
+      <p:sp>
+        <p:nvSpPr>
+          <p:cNvPr id="4" name="Slide Number Placeholder 3"/>
+          <p:cNvSpPr>
+            <a:spLocks noGrp="1"/>
+          </p:cNvSpPr>
+          <p:nvPr>
+            <p:ph type="sldNum" sz="quarter" idx="10"/>
+          </p:nvPr>
+        </p:nvSpPr>
+        <p:spPr/>
+        <p:txBody>
+          <a:bodyPr/>
+          <a:lstStyle/>
+          <a:p>
+            <a:fld id="{F7021451-1387-4CA6-816F-3879F97B5CBC}" type="slidenum">
+              <a:rPr lang="en-US"/>
+              <a:t>3</a:t>
             </a:fld>
             <a:endParaRPr lang="en-US"/>
           </a:p>
@@ -1818,6 +1921,65 @@
               <a:t/>
             </a:fld>
             <a:endParaRPr lang="en-US"/>
+          </a:p>
+        </p:txBody>
+      </p:sp>
+    </p:spTree>
+  </p:cSld>
+  <p:clrMapOvr>
+    <a:masterClrMapping/>
+  </p:clrMapOvr>
+</p:sld>
+</file>
+
+<file path=ppt/slides/slide3.xml><?xml version="1.0" encoding="utf-8"?>
+<p:sld xmlns:a="http://schemas.openxmlformats.org/drawingml/2006/main" xmlns:r="http://schemas.openxmlformats.org/officeDocument/2006/relationships" xmlns:p="http://schemas.openxmlformats.org/presentationml/2006/main">
+  <p:cSld name="Slide 3">
+    <p:spTree>
+      <p:nvGrpSpPr>
+        <p:cNvPr id="1" name=""/>
+        <p:cNvGrpSpPr/>
+        <p:nvPr/>
+      </p:nvGrpSpPr>
+      <p:grpSpPr>
+        <a:xfrm>
+          <a:off x="0" y="0"/>
+          <a:ext cx="0" cy="0"/>
+          <a:chOff x="0" y="0"/>
+          <a:chExt cx="0" cy="0"/>
+        </a:xfrm>
+      </p:grpSpPr>
+      <p:sp>
+        <p:nvSpPr>
+          <p:cNvPr id="2" name="Object1"/>
+          <p:cNvSpPr/>
+          <p:nvPr/>
+        </p:nvSpPr>
+        <p:spPr>
+          <a:xfrm>
+            <a:off x="1371600" y="1371600"/>
+            <a:ext cx="9144000" cy="0"/>
+          </a:xfrm>
+          <a:prstGeom prst="rect">
+            <a:avLst/>
+          </a:prstGeom>
+          <a:noFill/>
+          <a:ln/>
+        </p:spPr>
+        <p:txBody>
+          <a:bodyPr wrap="square" rtlCol="0" anchor="ctr"/>
+          <a:lstStyle/>
+          <a:p>
+            <a:pPr/>
+            <a:r>
+              <a:rPr lang="en-US" sz="1800" dirty="0">
+                <a:solidFill>
+                  <a:srgbClr val="363636"/>
+                </a:solidFill>
+              </a:rPr>
+              <a:t>This slide is in the Tables section!</a:t>
+            </a:r>
+            <a:endParaRPr lang="en-US" sz="1800" dirty="0"/>
           </a:p>
         </p:txBody>
       </p:sp>

--- a/Gen-PowerPoint-Demo.pptx
+++ b/Gen-PowerPoint-Demo.pptx
@@ -109,7 +109,7 @@
   <p:extLst>
     <p:ext uri="{521415D9-36F7-43E2-AB2F-B90AF26B5E84}">
       <p14:sectionLst xmlns:p14="http://schemas.microsoft.com/office/powerpoint/2010/main">
-        <p14:section name="Tables" id="{6855db97-c725-a311-45ab-6e98af26cfd6}">
+        <p14:section name="Tables" id="{aa69d739-7c9f-ef80-4c1d-b77b977f2748}">
           <p14:sldIdLst>
             <p14:sldId id="258"/>
           </p14:sldIdLst>
@@ -123,7 +123,7 @@
 </p:presentation>
 </file>
 
-<file path=ppt/charts/chart14.xml><?xml version="1.0" encoding="utf-8"?>
+<file path=ppt/charts/chart19.xml><?xml version="1.0" encoding="utf-8"?>
 <c:chartSpace xmlns:c="http://schemas.openxmlformats.org/drawingml/2006/chart" xmlns:a="http://schemas.openxmlformats.org/drawingml/2006/main" xmlns:r="http://schemas.openxmlformats.org/officeDocument/2006/relationships">
   <c:date1904 val="0"/>
   <c:chart>
@@ -1208,7 +1208,7 @@
         </p:nvSpPr>
         <p:spPr>
           <a:xfrm>
-            <a:off x="0" y="4846320"/>
+            <a:off x="0" y="274320"/>
             <a:ext cx="12192000" cy="685800"/>
           </a:xfrm>
           <a:prstGeom prst="rect">
@@ -1220,43 +1220,9 @@
           <a:ln/>
         </p:spPr>
       </p:sp>
-      <p:sp>
-        <p:nvSpPr>
-          <p:cNvPr id="3" name="Object2"/>
-          <p:cNvSpPr/>
-          <p:nvPr/>
-        </p:nvSpPr>
-        <p:spPr>
-          <a:xfrm>
-            <a:off x="2743200" y="4846320"/>
-            <a:ext cx="5029200" cy="685800"/>
-          </a:xfrm>
-          <a:prstGeom prst="rect">
-            <a:avLst/>
-          </a:prstGeom>
-          <a:noFill/>
-          <a:ln/>
-        </p:spPr>
-        <p:txBody>
-          <a:bodyPr wrap="square" rtlCol="0" anchor="ctr"/>
-          <a:lstStyle/>
-          <a:p>
-            <a:pPr/>
-            <a:r>
-              <a:rPr lang="en-US" dirty="0">
-                <a:solidFill>
-                  <a:srgbClr val="000000"/>
-                </a:solidFill>
-              </a:rPr>
-              <a:t>Status Report</a:t>
-            </a:r>
-            <a:endParaRPr lang="en-US" dirty="0"/>
-          </a:p>
-        </p:txBody>
-      </p:sp>
       <p:pic>
         <p:nvPicPr>
-          <p:cNvPr id="4" name="Object 3" descr="images/lotus001.jpeg">    </p:cNvPr>
+          <p:cNvPr id="3" name="Object 2" descr="images/lotus001.jpeg">    </p:cNvPr>
           <p:cNvPicPr>
             <a:picLocks noChangeAspect="1"/>
           </p:cNvPicPr>
@@ -1280,10 +1246,10 @@
       </p:pic>
       <p:sp>
         <p:nvSpPr>
-          <p:cNvPr id="5" name="Object4"/>
+          <p:cNvPr id="4" name="Object3"/>
           <p:cNvSpPr/>
           <p:nvPr>
-            <p:ph idx="103" type="body" hasCustomPrompt="1"/>
+            <p:ph idx="102" type="body" hasCustomPrompt="1"/>
           </p:nvPr>
         </p:nvSpPr>
         <p:spPr>
@@ -1316,6 +1282,49 @@
                 </a:solidFill>
               </a:rPr>
               <a:t>(custom placeholder text!)</a:t>
+            </a:r>
+            <a:endParaRPr lang="en-US" dirty="0"/>
+          </a:p>
+        </p:txBody>
+      </p:sp>
+      <p:sp>
+        <p:nvSpPr>
+          <p:cNvPr id="5" name="Object4"/>
+          <p:cNvSpPr/>
+          <p:nvPr>
+            <p:ph idx="103" type="title" hasCustomPrompt="1"/>
+          </p:nvPr>
+        </p:nvSpPr>
+        <p:spPr>
+          <a:xfrm>
+            <a:off x="274320" y="274320"/>
+            <a:ext cx="9144000" cy="685800"/>
+          </a:xfrm>
+          <a:prstGeom prst="rect">
+            <a:avLst/>
+          </a:prstGeom>
+          <a:noFill/>
+          <a:ln/>
+        </p:spPr>
+        <p:txBody>
+          <a:bodyPr wrap="square" rtlCol="0"/>
+          <a:lstStyle>
+            <a:lvl1pPr indent="0" marL="0">
+              <a:buNone/>
+              <a:defRPr lang="en-US" dirty="0"/>
+            </a:lvl1pPr>
+          </a:lstStyle>
+          <a:p>
+            <a:pPr indent="0" marL="0">
+              <a:buNone/>
+            </a:pPr>
+            <a:r>
+              <a:rPr lang="en-US" dirty="0">
+                <a:solidFill>
+                  <a:srgbClr val="000000"/>
+                </a:solidFill>
+              </a:rPr>
+              <a:t>(title placeholder text!)</a:t>
             </a:r>
             <a:endParaRPr lang="en-US" dirty="0"/>
           </a:p>
@@ -1706,12 +1715,14 @@
         <p:nvSpPr>
           <p:cNvPr id="2" name="Object1"/>
           <p:cNvSpPr/>
-          <p:nvPr/>
+          <p:nvPr>
+            <p:ph idx="103" type="title" hasCustomPrompt="1"/>
+          </p:nvPr>
         </p:nvSpPr>
         <p:spPr>
           <a:xfrm>
-            <a:off x="457200" y="640080"/>
-            <a:ext cx="9144000" cy="0"/>
+            <a:off x="274320" y="274320"/>
+            <a:ext cx="9144000" cy="685800"/>
           </a:xfrm>
           <a:prstGeom prst="rect">
             <a:avLst/>
@@ -1720,19 +1731,17 @@
           <a:ln/>
         </p:spPr>
         <p:txBody>
-          <a:bodyPr wrap="square" rtlCol="0" anchor="ctr"/>
+          <a:bodyPr wrap="square" rtlCol="0"/>
           <a:lstStyle/>
           <a:p>
-            <a:pPr/>
+            <a:pPr indent="0" marL="0">
+              <a:buNone/>
+            </a:pPr>
             <a:r>
-              <a:rPr lang="en-US" sz="1800" dirty="0">
-                <a:solidFill>
-                  <a:srgbClr val="000000"/>
-                </a:solidFill>
-              </a:rPr>
+              <a:rPr lang="en-US" dirty="0"/>
               <a:t>How To Create PowerPoint Presentations with JavaScript</a:t>
             </a:r>
-            <a:endParaRPr lang="en-US" sz="1800" dirty="0"/>
+            <a:endParaRPr lang="en-US" dirty="0"/>
           </a:p>
         </p:txBody>
       </p:sp>
@@ -1741,7 +1750,7 @@
           <p:cNvPr id="3" name="Object2"/>
           <p:cNvSpPr/>
           <p:nvPr>
-            <p:ph idx="103" type="body" hasCustomPrompt="1"/>
+            <p:ph idx="102" type="body" hasCustomPrompt="1"/>
           </p:nvPr>
         </p:nvSpPr>
         <p:spPr>
@@ -1862,13 +1871,41 @@
           <p:cNvPr id="3" name="Object2"/>
           <p:cNvSpPr/>
           <p:nvPr>
-            <p:ph idx="103" type="body" hasCustomPrompt="1"/>
+            <p:ph idx="102" type="body" hasCustomPrompt="1"/>
           </p:nvPr>
         </p:nvSpPr>
         <p:spPr>
           <a:xfrm>
             <a:off x="548640" y="1371600"/>
             <a:ext cx="10972800" cy="4800600"/>
+          </a:xfrm>
+          <a:prstGeom prst="rect">
+            <a:avLst/>
+          </a:prstGeom>
+          <a:noFill/>
+          <a:ln/>
+        </p:spPr>
+        <p:txBody>
+          <a:bodyPr wrap="square" rtlCol="0"/>
+          <a:lstStyle/>
+          <a:p>
+            <a:pPr/>
+            <a:endParaRPr lang="en-US" dirty="0"/>
+          </a:p>
+        </p:txBody>
+      </p:sp>
+      <p:sp>
+        <p:nvSpPr>
+          <p:cNvPr id="4" name="Object3"/>
+          <p:cNvSpPr/>
+          <p:nvPr>
+            <p:ph idx="103" type="title" hasCustomPrompt="1"/>
+          </p:nvPr>
+        </p:nvSpPr>
+        <p:spPr>
+          <a:xfrm>
+            <a:off x="274320" y="274320"/>
+            <a:ext cx="9144000" cy="685800"/>
           </a:xfrm>
           <a:prstGeom prst="rect">
             <a:avLst/>

--- a/Gen-PowerPoint-Demo.pptx
+++ b/Gen-PowerPoint-Demo.pptx
@@ -8,9 +8,11 @@
     <p:sldId id="256" r:id="rId2"/>
     <p:sldId id="257" r:id="rId3"/>
     <p:sldId id="258" r:id="rId4"/>
+    <p:sldId id="259" r:id="rId5"/>
+    <p:sldId id="260" r:id="rId6"/>
   </p:sldIdLst>
   <p:notesMasterIdLst>
-    <p:notesMasterId r:id="rId5"/>
+    <p:notesMasterId r:id="rId7"/>
   </p:notesMasterIdLst>
   <p:sldSz cx="12192000" cy="6858000"/>
   <p:notesSz cx="6858000" cy="12192000"/>
@@ -109,9 +111,11 @@
   <p:extLst>
     <p:ext uri="{521415D9-36F7-43E2-AB2F-B90AF26B5E84}">
       <p14:sectionLst xmlns:p14="http://schemas.microsoft.com/office/powerpoint/2010/main">
-        <p14:section name="Tables" id="{aa69d739-7c9f-ef80-4c1d-b77b977f2748}">
+        <p14:section name="Tables" id="{a518e141-fbbe-9255-60a5-55a842039926}">
           <p14:sldIdLst>
             <p14:sldId id="258"/>
+            <p14:sldId id="259"/>
+            <p14:sldId id="260"/>
           </p14:sldIdLst>
         </p14:section>
       </p14:sectionLst>
@@ -123,7 +127,7 @@
 </p:presentation>
 </file>
 
-<file path=ppt/charts/chart19.xml><?xml version="1.0" encoding="utf-8"?>
+<file path=ppt/charts/chart30.xml><?xml version="1.0" encoding="utf-8"?>
 <c:chartSpace xmlns:c="http://schemas.openxmlformats.org/drawingml/2006/chart" xmlns:a="http://schemas.openxmlformats.org/drawingml/2006/main" xmlns:r="http://schemas.openxmlformats.org/officeDocument/2006/relationships">
   <c:date1904 val="0"/>
   <c:chart>
@@ -1146,6 +1150,182 @@
 </p:notes>
 </file>
 
+<file path=ppt/notesSlides/notesSlide4.xml><?xml version="1.0" encoding="utf-8"?>
+<p:notes xmlns:a="http://schemas.openxmlformats.org/drawingml/2006/main" xmlns:r="http://schemas.openxmlformats.org/officeDocument/2006/relationships" xmlns:p="http://schemas.openxmlformats.org/presentationml/2006/main">
+  <p:cSld>
+    <p:spTree>
+      <p:nvGrpSpPr>
+        <p:cNvPr id="1" name=""/>
+        <p:cNvGrpSpPr/>
+        <p:nvPr/>
+      </p:nvGrpSpPr>
+      <p:grpSpPr>
+        <a:xfrm>
+          <a:off x="0" y="0"/>
+          <a:ext cx="0" cy="0"/>
+          <a:chOff x="0" y="0"/>
+          <a:chExt cx="0" cy="0"/>
+        </a:xfrm>
+      </p:grpSpPr>
+      <p:sp>
+        <p:nvSpPr>
+          <p:cNvPr id="2" name="Slide Image Placeholder 1"/>
+          <p:cNvSpPr>
+            <a:spLocks noGrp="1" noRot="1" noChangeAspect="1"/>
+          </p:cNvSpPr>
+          <p:nvPr>
+            <p:ph type="sldImg"/>
+          </p:nvPr>
+        </p:nvSpPr>
+        <p:spPr/>
+      </p:sp>
+      <p:sp>
+        <p:nvSpPr>
+          <p:cNvPr id="3" name="Notes Placeholder 2"/>
+          <p:cNvSpPr>
+            <a:spLocks noGrp="1"/>
+          </p:cNvSpPr>
+          <p:nvPr>
+            <p:ph type="body" idx="1"/>
+          </p:nvPr>
+        </p:nvSpPr>
+        <p:spPr/>
+        <p:txBody>
+          <a:bodyPr/>
+          <a:lstStyle/>
+          <a:p>
+            <a:r>
+              <a:rPr lang="en-US" dirty="0"/>
+              <a:t/>
+            </a:r>
+            <a:endParaRPr lang="en-US" dirty="0"/>
+          </a:p>
+        </p:txBody>
+      </p:sp>
+      <p:sp>
+        <p:nvSpPr>
+          <p:cNvPr id="4" name="Slide Number Placeholder 3"/>
+          <p:cNvSpPr>
+            <a:spLocks noGrp="1"/>
+          </p:cNvSpPr>
+          <p:nvPr>
+            <p:ph type="sldNum" sz="quarter" idx="10"/>
+          </p:nvPr>
+        </p:nvSpPr>
+        <p:spPr/>
+        <p:txBody>
+          <a:bodyPr/>
+          <a:lstStyle/>
+          <a:p>
+            <a:fld id="{F7021451-1387-4CA6-816F-3879F97B5CBC}" type="slidenum">
+              <a:rPr lang="en-US"/>
+              <a:t>4</a:t>
+            </a:fld>
+            <a:endParaRPr lang="en-US"/>
+          </a:p>
+        </p:txBody>
+      </p:sp>
+    </p:spTree>
+    <p:extLst>
+      <p:ext uri="{BB962C8B-B14F-4D97-AF65-F5344CB8AC3E}">
+        <p14:creationId xmlns:p14="http://schemas.microsoft.com/office/powerpoint/2010/main" val="1024086991"/>
+      </p:ext>
+    </p:extLst>
+  </p:cSld>
+  <p:clrMapOvr>
+    <a:masterClrMapping/>
+  </p:clrMapOvr>
+</p:notes>
+</file>
+
+<file path=ppt/notesSlides/notesSlide5.xml><?xml version="1.0" encoding="utf-8"?>
+<p:notes xmlns:a="http://schemas.openxmlformats.org/drawingml/2006/main" xmlns:r="http://schemas.openxmlformats.org/officeDocument/2006/relationships" xmlns:p="http://schemas.openxmlformats.org/presentationml/2006/main">
+  <p:cSld>
+    <p:spTree>
+      <p:nvGrpSpPr>
+        <p:cNvPr id="1" name=""/>
+        <p:cNvGrpSpPr/>
+        <p:nvPr/>
+      </p:nvGrpSpPr>
+      <p:grpSpPr>
+        <a:xfrm>
+          <a:off x="0" y="0"/>
+          <a:ext cx="0" cy="0"/>
+          <a:chOff x="0" y="0"/>
+          <a:chExt cx="0" cy="0"/>
+        </a:xfrm>
+      </p:grpSpPr>
+      <p:sp>
+        <p:nvSpPr>
+          <p:cNvPr id="2" name="Slide Image Placeholder 1"/>
+          <p:cNvSpPr>
+            <a:spLocks noGrp="1" noRot="1" noChangeAspect="1"/>
+          </p:cNvSpPr>
+          <p:nvPr>
+            <p:ph type="sldImg"/>
+          </p:nvPr>
+        </p:nvSpPr>
+        <p:spPr/>
+      </p:sp>
+      <p:sp>
+        <p:nvSpPr>
+          <p:cNvPr id="3" name="Notes Placeholder 2"/>
+          <p:cNvSpPr>
+            <a:spLocks noGrp="1"/>
+          </p:cNvSpPr>
+          <p:nvPr>
+            <p:ph type="body" idx="1"/>
+          </p:nvPr>
+        </p:nvSpPr>
+        <p:spPr/>
+        <p:txBody>
+          <a:bodyPr/>
+          <a:lstStyle/>
+          <a:p>
+            <a:r>
+              <a:rPr lang="en-US" dirty="0"/>
+              <a:t/>
+            </a:r>
+            <a:endParaRPr lang="en-US" dirty="0"/>
+          </a:p>
+        </p:txBody>
+      </p:sp>
+      <p:sp>
+        <p:nvSpPr>
+          <p:cNvPr id="4" name="Slide Number Placeholder 3"/>
+          <p:cNvSpPr>
+            <a:spLocks noGrp="1"/>
+          </p:cNvSpPr>
+          <p:nvPr>
+            <p:ph type="sldNum" sz="quarter" idx="10"/>
+          </p:nvPr>
+        </p:nvSpPr>
+        <p:spPr/>
+        <p:txBody>
+          <a:bodyPr/>
+          <a:lstStyle/>
+          <a:p>
+            <a:fld id="{F7021451-1387-4CA6-816F-3879F97B5CBC}" type="slidenum">
+              <a:rPr lang="en-US"/>
+              <a:t>5</a:t>
+            </a:fld>
+            <a:endParaRPr lang="en-US"/>
+          </a:p>
+        </p:txBody>
+      </p:sp>
+    </p:spTree>
+    <p:extLst>
+      <p:ext uri="{BB962C8B-B14F-4D97-AF65-F5344CB8AC3E}">
+        <p14:creationId xmlns:p14="http://schemas.microsoft.com/office/powerpoint/2010/main" val="1024086991"/>
+      </p:ext>
+    </p:extLst>
+  </p:cSld>
+  <p:clrMapOvr>
+    <a:masterClrMapping/>
+  </p:clrMapOvr>
+</p:notes>
+</file>
+
 <file path=ppt/slideLayouts/slideLayout1.xml><?xml version="1.0" encoding="utf-8"?>
 <p:sldLayout xmlns:a="http://schemas.openxmlformats.org/drawingml/2006/main" xmlns:r="http://schemas.openxmlformats.org/officeDocument/2006/relationships" xmlns:p="http://schemas.openxmlformats.org/presentationml/2006/main" preserve="1">
   <p:cSld name="DEFAULT">
@@ -1220,6 +1400,183 @@
           <a:ln/>
         </p:spPr>
       </p:sp>
+      <p:sp>
+        <p:nvSpPr>
+          <p:cNvPr id="3" name="Object2"/>
+          <p:cNvSpPr/>
+          <p:nvPr>
+            <p:ph idx="101" type="body" hasCustomPrompt="1"/>
+          </p:nvPr>
+        </p:nvSpPr>
+        <p:spPr>
+          <a:xfrm>
+            <a:off x="548640" y="1371600"/>
+            <a:ext cx="10972800" cy="4800600"/>
+          </a:xfrm>
+          <a:prstGeom prst="rect">
+            <a:avLst/>
+          </a:prstGeom>
+          <a:noFill/>
+          <a:ln/>
+        </p:spPr>
+        <p:txBody>
+          <a:bodyPr wrap="square" rtlCol="0"/>
+          <a:lstStyle>
+            <a:lvl1pPr indent="0" marL="0">
+              <a:buNone/>
+              <a:defRPr lang="en-US" dirty="0"/>
+            </a:lvl1pPr>
+          </a:lstStyle>
+          <a:p>
+            <a:pPr indent="0" marL="0">
+              <a:buNone/>
+            </a:pPr>
+            <a:r>
+              <a:rPr lang="en-US" dirty="0">
+                <a:solidFill>
+                  <a:srgbClr val="000000"/>
+                </a:solidFill>
+              </a:rPr>
+              <a:t>(custom placeholder text!)</a:t>
+            </a:r>
+            <a:endParaRPr lang="en-US" dirty="0"/>
+          </a:p>
+        </p:txBody>
+      </p:sp>
+      <p:sp>
+        <p:nvSpPr>
+          <p:cNvPr id="4" name="Object3"/>
+          <p:cNvSpPr/>
+          <p:nvPr>
+            <p:ph idx="102" type="title" hasCustomPrompt="1"/>
+          </p:nvPr>
+        </p:nvSpPr>
+        <p:spPr>
+          <a:xfrm>
+            <a:off x="274320" y="274320"/>
+            <a:ext cx="9144000" cy="685800"/>
+          </a:xfrm>
+          <a:prstGeom prst="rect">
+            <a:avLst/>
+          </a:prstGeom>
+          <a:noFill/>
+          <a:ln/>
+        </p:spPr>
+        <p:txBody>
+          <a:bodyPr wrap="square" rtlCol="0"/>
+          <a:lstStyle>
+            <a:lvl1pPr indent="0" marL="0">
+              <a:buNone/>
+              <a:defRPr lang="en-US" dirty="0"/>
+            </a:lvl1pPr>
+          </a:lstStyle>
+          <a:p>
+            <a:pPr indent="0" marL="0">
+              <a:buNone/>
+            </a:pPr>
+            <a:r>
+              <a:rPr lang="en-US" dirty="0">
+                <a:solidFill>
+                  <a:srgbClr val="000000"/>
+                </a:solidFill>
+              </a:rPr>
+              <a:t>(title placeholder text!)</a:t>
+            </a:r>
+            <a:endParaRPr lang="en-US" dirty="0"/>
+          </a:p>
+        </p:txBody>
+      </p:sp>
+      <p:sp>
+        <p:nvSpPr>
+          <p:cNvPr id="25" name="Slide Number Placeholder 24"/>
+          <p:cNvSpPr>
+            <a:spLocks noGrp="1"/>
+          </p:cNvSpPr>
+          <p:nvPr>
+            <p:ph type="sldNum" sz="quarter" idx="4294967295"/>
+          </p:nvPr>
+        </p:nvSpPr>
+        <p:spPr>
+          <a:xfrm>
+            <a:off x="10972800" y="6172200"/>
+            <a:ext cx="800000" cy="300000"/>
+          </a:xfrm>
+          <a:prstGeom prst="rect">
+            <a:avLst/>
+          </a:prstGeom>
+          <a:extLst>
+            <a:ext uri="{C572A759-6A51-4108-AA02-DFA0A04FC94B}">
+              <ma14:wrappingTextBoxFlag xmlns:ma14="http://schemas.microsoft.com/office/mac/drawingml/2011/main" val="0"/>
+            </a:ext>
+          </a:extLst>
+        </p:spPr>
+        <p:txBody>
+          <a:bodyPr/>
+          <a:lstStyle>
+            <a:lvl1pPr/>
+          </a:lstStyle>
+          <a:p>
+            <a:fld id="{F7021451-1387-4CA6-816F-3879F97B5CBC}" type="slidenum">
+              <a:rPr lang="en-US"/>
+              <a:pPr algn="l"/>
+              <a:t/>
+            </a:fld>
+            <a:endParaRPr lang="en-US"/>
+          </a:p>
+        </p:txBody>
+      </p:sp>
+    </p:spTree>
+  </p:cSld>
+  <p:clrMapOvr>
+    <a:masterClrMapping/>
+  </p:clrMapOvr>
+</p:sldLayout>
+</file>
+
+<file path=ppt/slideLayouts/slideLayout3.xml><?xml version="1.0" encoding="utf-8"?>
+<p:sldLayout xmlns:a="http://schemas.openxmlformats.org/drawingml/2006/main" xmlns:r="http://schemas.openxmlformats.org/officeDocument/2006/relationships" xmlns:p="http://schemas.openxmlformats.org/presentationml/2006/main" preserve="1">
+  <p:cSld name="SECTION_MASTER_SLIDE">
+    <p:bg>
+      <p:bgPr>
+        <a:solidFill>
+          <a:srgbClr val="FFFFFF"/>
+        </a:solidFill>
+      </p:bgPr>
+    </p:bg>
+    <p:spTree>
+      <p:nvGrpSpPr>
+        <p:cNvPr id="1" name=""/>
+        <p:cNvGrpSpPr/>
+        <p:nvPr/>
+      </p:nvGrpSpPr>
+      <p:grpSpPr>
+        <a:xfrm>
+          <a:off x="0" y="0"/>
+          <a:ext cx="0" cy="0"/>
+          <a:chOff x="0" y="0"/>
+          <a:chExt cx="0" cy="0"/>
+        </a:xfrm>
+      </p:grpSpPr>
+      <p:sp>
+        <p:nvSpPr>
+          <p:cNvPr id="2" name="Object1"/>
+          <p:cNvSpPr/>
+          <p:nvPr/>
+        </p:nvSpPr>
+        <p:spPr>
+          <a:xfrm>
+            <a:off x="0" y="274320"/>
+            <a:ext cx="12192000" cy="685800"/>
+          </a:xfrm>
+          <a:prstGeom prst="rect">
+            <a:avLst/>
+          </a:prstGeom>
+          <a:solidFill>
+            <a:srgbClr val="F1F1F1"/>
+          </a:solidFill>
+          <a:ln/>
+        </p:spPr>
+      </p:sp>
       <p:pic>
         <p:nvPicPr>
           <p:cNvPr id="3" name="Object 2" descr="images/lotus001.jpeg">    </p:cNvPr>
@@ -1236,7 +1593,7 @@
         </p:blipFill>
         <p:spPr>
           <a:xfrm>
-            <a:off x="10332720" y="274320"/>
+            <a:off x="10332720" y="6172200"/>
             <a:ext cx="1463040" cy="457200"/>
           </a:xfrm>
           <a:prstGeom prst="rect">
@@ -1439,6 +1796,7 @@
   <p:sldLayoutIdLst>
     <p:sldLayoutId id="2147483649" r:id="rId1"/>
     <p:sldLayoutId id="2147483650" r:id="rId2"/>
+    <p:sldLayoutId id="2147483651" r:id="rId3"/>
   </p:sldLayoutIdLst>
   <p:hf sldNum="0" hdr="0" ftr="0" dt="0"/>
   <p:txStyles>
@@ -1716,7 +2074,7 @@
           <p:cNvPr id="2" name="Object1"/>
           <p:cNvSpPr/>
           <p:nvPr>
-            <p:ph idx="103" type="title" hasCustomPrompt="1"/>
+            <p:ph idx="102" type="title" hasCustomPrompt="1"/>
           </p:nvPr>
         </p:nvSpPr>
         <p:spPr>
@@ -1750,7 +2108,7 @@
           <p:cNvPr id="3" name="Object2"/>
           <p:cNvSpPr/>
           <p:nvPr>
-            <p:ph idx="102" type="body" hasCustomPrompt="1"/>
+            <p:ph idx="101" type="body" hasCustomPrompt="1"/>
           </p:nvPr>
         </p:nvSpPr>
         <p:spPr>
@@ -1871,7 +2229,7 @@
           <p:cNvPr id="3" name="Object2"/>
           <p:cNvSpPr/>
           <p:nvPr>
-            <p:ph idx="102" type="body" hasCustomPrompt="1"/>
+            <p:ph idx="101" type="body" hasCustomPrompt="1"/>
           </p:nvPr>
         </p:nvSpPr>
         <p:spPr>
@@ -1899,7 +2257,7 @@
           <p:cNvPr id="4" name="Object3"/>
           <p:cNvSpPr/>
           <p:nvPr>
-            <p:ph idx="103" type="title" hasCustomPrompt="1"/>
+            <p:ph idx="102" type="title" hasCustomPrompt="1"/>
           </p:nvPr>
         </p:nvSpPr>
         <p:spPr>
@@ -2017,6 +2375,770 @@
               <a:t>This slide is in the Tables section!</a:t>
             </a:r>
             <a:endParaRPr lang="en-US" sz="1800" dirty="0"/>
+          </a:p>
+        </p:txBody>
+      </p:sp>
+      <p:sp>
+        <p:nvSpPr>
+          <p:cNvPr id="3" name="Object2"/>
+          <p:cNvSpPr/>
+          <p:nvPr>
+            <p:ph idx="102" type="body" hasCustomPrompt="1"/>
+          </p:nvPr>
+        </p:nvSpPr>
+        <p:spPr>
+          <a:xfrm>
+            <a:off x="548640" y="1371600"/>
+            <a:ext cx="10972800" cy="4800600"/>
+          </a:xfrm>
+          <a:prstGeom prst="rect">
+            <a:avLst/>
+          </a:prstGeom>
+          <a:noFill/>
+          <a:ln/>
+        </p:spPr>
+        <p:txBody>
+          <a:bodyPr wrap="square" rtlCol="0"/>
+          <a:lstStyle/>
+          <a:p>
+            <a:pPr/>
+            <a:endParaRPr lang="en-US" dirty="0"/>
+          </a:p>
+        </p:txBody>
+      </p:sp>
+      <p:sp>
+        <p:nvSpPr>
+          <p:cNvPr id="4" name="Object3"/>
+          <p:cNvSpPr/>
+          <p:nvPr>
+            <p:ph idx="103" type="title" hasCustomPrompt="1"/>
+          </p:nvPr>
+        </p:nvSpPr>
+        <p:spPr>
+          <a:xfrm>
+            <a:off x="274320" y="274320"/>
+            <a:ext cx="9144000" cy="685800"/>
+          </a:xfrm>
+          <a:prstGeom prst="rect">
+            <a:avLst/>
+          </a:prstGeom>
+          <a:noFill/>
+          <a:ln/>
+        </p:spPr>
+        <p:txBody>
+          <a:bodyPr wrap="square" rtlCol="0"/>
+          <a:lstStyle/>
+          <a:p>
+            <a:pPr/>
+            <a:endParaRPr lang="en-US" dirty="0"/>
+          </a:p>
+        </p:txBody>
+      </p:sp>
+      <p:sp>
+        <p:nvSpPr>
+          <p:cNvPr id="25" name="Slide Number Placeholder 24"/>
+          <p:cNvSpPr>
+            <a:spLocks noGrp="1"/>
+          </p:cNvSpPr>
+          <p:nvPr>
+            <p:ph type="sldNum" sz="quarter" idx="4294967295"/>
+          </p:nvPr>
+        </p:nvSpPr>
+        <p:spPr>
+          <a:xfrm>
+            <a:off x="10972800" y="6172200"/>
+            <a:ext cx="800000" cy="300000"/>
+          </a:xfrm>
+          <a:prstGeom prst="rect">
+            <a:avLst/>
+          </a:prstGeom>
+          <a:extLst>
+            <a:ext uri="{C572A759-6A51-4108-AA02-DFA0A04FC94B}">
+              <ma14:wrappingTextBoxFlag xmlns:ma14="http://schemas.microsoft.com/office/mac/drawingml/2011/main" val="0"/>
+            </a:ext>
+          </a:extLst>
+        </p:spPr>
+        <p:txBody>
+          <a:bodyPr/>
+          <a:lstStyle>
+            <a:lvl1pPr/>
+          </a:lstStyle>
+          <a:p>
+            <a:fld id="{F7021451-1387-4CA6-816F-3879F97B5CBC}" type="slidenum">
+              <a:rPr lang="en-US"/>
+              <a:pPr algn="l"/>
+              <a:t/>
+            </a:fld>
+            <a:endParaRPr lang="en-US"/>
+          </a:p>
+        </p:txBody>
+      </p:sp>
+    </p:spTree>
+  </p:cSld>
+  <p:clrMapOvr>
+    <a:masterClrMapping/>
+  </p:clrMapOvr>
+</p:sld>
+</file>
+
+<file path=ppt/slides/slide4.xml><?xml version="1.0" encoding="utf-8"?>
+<p:sld xmlns:a="http://schemas.openxmlformats.org/drawingml/2006/main" xmlns:r="http://schemas.openxmlformats.org/officeDocument/2006/relationships" xmlns:p="http://schemas.openxmlformats.org/presentationml/2006/main">
+  <p:cSld name="Slide 4">
+    <p:spTree>
+      <p:nvGrpSpPr>
+        <p:cNvPr id="1" name=""/>
+        <p:cNvGrpSpPr/>
+        <p:nvPr/>
+      </p:nvGrpSpPr>
+      <p:grpSpPr>
+        <a:xfrm>
+          <a:off x="0" y="0"/>
+          <a:ext cx="0" cy="0"/>
+          <a:chOff x="0" y="0"/>
+          <a:chExt cx="0" cy="0"/>
+        </a:xfrm>
+      </p:grpSpPr>
+      <p:graphicFrame>
+        <p:nvGraphicFramePr>
+          <p:cNvPr id="5" name="Table 4"/>
+          <p:cNvGraphicFramePr>
+            <a:graphicFrameLocks noGrp="1"/>
+          </p:cNvGraphicFramePr>
+          <p:nvPr>
+            <p:extLst>
+              <p:ext uri="{D42A27DB-BD31-4B8C-83A1-F6EECF244321}">
+                <p14:modId xmlns:p14="http://schemas.microsoft.com/office/powerpoint/2010/main" val="1579011935"/>
+              </p:ext>
+            </p:extLst>
+          </p:nvPr>
+        </p:nvGraphicFramePr>
+        <p:xfrm>
+          <a:off x="457200" y="457200"/>
+          <a:ext cx="8229600" cy="914400"/>
+        </p:xfrm>
+        <a:graphic>
+          <a:graphicData uri="http://schemas.openxmlformats.org/drawingml/2006/table">
+            <a:tbl>
+              <a:tblPr/>
+              <a:tblGrid>
+                <a:gridCol w="2743200"/>
+                <a:gridCol w="2743200"/>
+                <a:gridCol w="2743200"/>
+              </a:tblGrid>
+              <a:tr h="0">
+                <a:tc>
+                  <a:txBody>
+                    <a:bodyPr/>
+                    <a:lstStyle/>
+                    <a:p>
+                      <a:pPr/>
+                      <a:r>
+                        <a:rPr lang="en-US" sz="1200" dirty="0">
+                          <a:solidFill>
+                            <a:srgbClr val="000000"/>
+                          </a:solidFill>
+                        </a:rPr>
+                        <a:t>Cell 1</a:t>
+                      </a:r>
+                      <a:endParaRPr lang="en-US" sz="1200" dirty="0"/>
+                    </a:p>
+                  </a:txBody>
+                  <a:tcPr marL="38100" marR="38100" marT="38100" marB="38100">
+                    <a:lnL w="0" cap="flat" cmpd="sng" algn="ctr">
+                      <a:noFill/>
+                    </a:lnL>
+                    <a:lnR w="0" cap="flat" cmpd="sng" algn="ctr">
+                      <a:noFill/>
+                    </a:lnR>
+                    <a:lnT w="0" cap="flat" cmpd="sng" algn="ctr">
+                      <a:noFill/>
+                    </a:lnT>
+                    <a:lnB w="0" cap="flat" cmpd="sng" algn="ctr">
+                      <a:noFill/>
+                    </a:lnB>
+                  </a:tcPr>
+                </a:tc>
+                <a:tc>
+                  <a:txBody>
+                    <a:bodyPr/>
+                    <a:lstStyle/>
+                    <a:p>
+                      <a:pPr/>
+                      <a:r>
+                        <a:rPr lang="en-US" sz="1200" dirty="0">
+                          <a:solidFill>
+                            <a:srgbClr val="000000"/>
+                          </a:solidFill>
+                        </a:rPr>
+                        <a:t>Cell 2</a:t>
+                      </a:r>
+                      <a:endParaRPr lang="en-US" sz="1200" dirty="0"/>
+                    </a:p>
+                  </a:txBody>
+                  <a:tcPr marL="38100" marR="38100" marT="38100" marB="38100">
+                    <a:lnL w="0" cap="flat" cmpd="sng" algn="ctr">
+                      <a:noFill/>
+                    </a:lnL>
+                    <a:lnR w="0" cap="flat" cmpd="sng" algn="ctr">
+                      <a:noFill/>
+                    </a:lnR>
+                    <a:lnT w="0" cap="flat" cmpd="sng" algn="ctr">
+                      <a:noFill/>
+                    </a:lnT>
+                    <a:lnB w="0" cap="flat" cmpd="sng" algn="ctr">
+                      <a:noFill/>
+                    </a:lnB>
+                  </a:tcPr>
+                </a:tc>
+                <a:tc>
+                  <a:txBody>
+                    <a:bodyPr/>
+                    <a:lstStyle/>
+                    <a:p>
+                      <a:pPr/>
+                      <a:r>
+                        <a:rPr lang="en-US" sz="1200" dirty="0">
+                          <a:solidFill>
+                            <a:srgbClr val="000000"/>
+                          </a:solidFill>
+                        </a:rPr>
+                        <a:t>Cell 3</a:t>
+                      </a:r>
+                      <a:endParaRPr lang="en-US" sz="1200" dirty="0"/>
+                    </a:p>
+                  </a:txBody>
+                  <a:tcPr marL="38100" marR="38100" marT="38100" marB="38100">
+                    <a:lnL w="0" cap="flat" cmpd="sng" algn="ctr">
+                      <a:noFill/>
+                    </a:lnL>
+                    <a:lnR w="0" cap="flat" cmpd="sng" algn="ctr">
+                      <a:noFill/>
+                    </a:lnR>
+                    <a:lnT w="0" cap="flat" cmpd="sng" algn="ctr">
+                      <a:noFill/>
+                    </a:lnT>
+                    <a:lnB w="0" cap="flat" cmpd="sng" algn="ctr">
+                      <a:noFill/>
+                    </a:lnB>
+                  </a:tcPr>
+                </a:tc>
+              </a:tr>
+            </a:tbl>
+          </a:graphicData>
+        </a:graphic>
+      </p:graphicFrame>
+      <p:sp>
+        <p:nvSpPr>
+          <p:cNvPr id="3" name="Object2"/>
+          <p:cNvSpPr/>
+          <p:nvPr>
+            <p:ph idx="102" type="body" hasCustomPrompt="1"/>
+          </p:nvPr>
+        </p:nvSpPr>
+        <p:spPr>
+          <a:xfrm>
+            <a:off x="548640" y="1371600"/>
+            <a:ext cx="10972800" cy="4800600"/>
+          </a:xfrm>
+          <a:prstGeom prst="rect">
+            <a:avLst/>
+          </a:prstGeom>
+          <a:noFill/>
+          <a:ln/>
+        </p:spPr>
+        <p:txBody>
+          <a:bodyPr wrap="square" rtlCol="0"/>
+          <a:lstStyle/>
+          <a:p>
+            <a:pPr/>
+            <a:endParaRPr lang="en-US" dirty="0"/>
+          </a:p>
+        </p:txBody>
+      </p:sp>
+      <p:sp>
+        <p:nvSpPr>
+          <p:cNvPr id="4" name="Object3"/>
+          <p:cNvSpPr/>
+          <p:nvPr>
+            <p:ph idx="103" type="title" hasCustomPrompt="1"/>
+          </p:nvPr>
+        </p:nvSpPr>
+        <p:spPr>
+          <a:xfrm>
+            <a:off x="274320" y="274320"/>
+            <a:ext cx="9144000" cy="685800"/>
+          </a:xfrm>
+          <a:prstGeom prst="rect">
+            <a:avLst/>
+          </a:prstGeom>
+          <a:noFill/>
+          <a:ln/>
+        </p:spPr>
+        <p:txBody>
+          <a:bodyPr wrap="square" rtlCol="0"/>
+          <a:lstStyle/>
+          <a:p>
+            <a:pPr/>
+            <a:endParaRPr lang="en-US" dirty="0"/>
+          </a:p>
+        </p:txBody>
+      </p:sp>
+      <p:sp>
+        <p:nvSpPr>
+          <p:cNvPr id="25" name="Slide Number Placeholder 24"/>
+          <p:cNvSpPr>
+            <a:spLocks noGrp="1"/>
+          </p:cNvSpPr>
+          <p:nvPr>
+            <p:ph type="sldNum" sz="quarter" idx="4294967295"/>
+          </p:nvPr>
+        </p:nvSpPr>
+        <p:spPr>
+          <a:xfrm>
+            <a:off x="10972800" y="6172200"/>
+            <a:ext cx="800000" cy="300000"/>
+          </a:xfrm>
+          <a:prstGeom prst="rect">
+            <a:avLst/>
+          </a:prstGeom>
+          <a:extLst>
+            <a:ext uri="{C572A759-6A51-4108-AA02-DFA0A04FC94B}">
+              <ma14:wrappingTextBoxFlag xmlns:ma14="http://schemas.microsoft.com/office/mac/drawingml/2011/main" val="0"/>
+            </a:ext>
+          </a:extLst>
+        </p:spPr>
+        <p:txBody>
+          <a:bodyPr/>
+          <a:lstStyle>
+            <a:lvl1pPr/>
+          </a:lstStyle>
+          <a:p>
+            <a:fld id="{F7021451-1387-4CA6-816F-3879F97B5CBC}" type="slidenum">
+              <a:rPr lang="en-US"/>
+              <a:pPr algn="l"/>
+              <a:t/>
+            </a:fld>
+            <a:endParaRPr lang="en-US"/>
+          </a:p>
+        </p:txBody>
+      </p:sp>
+    </p:spTree>
+  </p:cSld>
+  <p:clrMapOvr>
+    <a:masterClrMapping/>
+  </p:clrMapOvr>
+</p:sld>
+</file>
+
+<file path=ppt/slides/slide5.xml><?xml version="1.0" encoding="utf-8"?>
+<p:sld xmlns:a="http://schemas.openxmlformats.org/drawingml/2006/main" xmlns:r="http://schemas.openxmlformats.org/officeDocument/2006/relationships" xmlns:p="http://schemas.openxmlformats.org/presentationml/2006/main">
+  <p:cSld name="Slide 5">
+    <p:spTree>
+      <p:nvGrpSpPr>
+        <p:cNvPr id="1" name=""/>
+        <p:cNvGrpSpPr/>
+        <p:nvPr/>
+      </p:nvGrpSpPr>
+      <p:grpSpPr>
+        <a:xfrm>
+          <a:off x="0" y="0"/>
+          <a:ext cx="0" cy="0"/>
+          <a:chOff x="0" y="0"/>
+          <a:chExt cx="0" cy="0"/>
+        </a:xfrm>
+      </p:grpSpPr>
+      <p:graphicFrame>
+        <p:nvGraphicFramePr>
+          <p:cNvPr id="6" name="Table 5"/>
+          <p:cNvGraphicFramePr>
+            <a:graphicFrameLocks noGrp="1"/>
+          </p:cNvGraphicFramePr>
+          <p:nvPr>
+            <p:extLst>
+              <p:ext uri="{D42A27DB-BD31-4B8C-83A1-F6EECF244321}">
+                <p14:modId xmlns:p14="http://schemas.microsoft.com/office/powerpoint/2010/main" val="1579011935"/>
+              </p:ext>
+            </p:extLst>
+          </p:nvPr>
+        </p:nvGraphicFramePr>
+        <p:xfrm>
+          <a:off x="457200" y="4572000"/>
+          <a:ext cx="0" cy="914400"/>
+        </p:xfrm>
+        <a:graphic>
+          <a:graphicData uri="http://schemas.openxmlformats.org/drawingml/2006/table">
+            <a:tbl>
+              <a:tblPr/>
+              <a:tblGrid>
+                <a:gridCol w="914400"/>
+                <a:gridCol w="914400"/>
+                <a:gridCol w="914400"/>
+              </a:tblGrid>
+              <a:tr h="0">
+                <a:tc>
+                  <a:txBody>
+                    <a:bodyPr/>
+                    <a:lstStyle/>
+                    <a:p>
+                      <a:pPr algn="l"/>
+                      <a:r>
+                        <a:rPr lang="en-US" sz="1200" dirty="0">
+                          <a:solidFill>
+                            <a:srgbClr val="000000"/>
+                          </a:solidFill>
+                          <a:latin typeface="Arial" pitchFamily="34" charset="0"/>
+                          <a:ea typeface="Arial" pitchFamily="34" charset="-122"/>
+                          <a:cs typeface="Arial" pitchFamily="34" charset="-120"/>
+                        </a:rPr>
+                        <a:t>A1</a:t>
+                      </a:r>
+                      <a:endParaRPr lang="en-US" sz="1200" dirty="0">
+                        <a:latin typeface="Arial" charset="0"/>
+                        <a:ea typeface="Arial" charset="0"/>
+                        <a:cs typeface="Arial" charset="0"/>
+                      </a:endParaRPr>
+                    </a:p>
+                  </a:txBody>
+                  <a:tcPr marL="38100" marR="38100" marT="38100" marB="38100">
+                    <a:lnL w="0" cap="flat" cmpd="sng" algn="ctr">
+                      <a:noFill/>
+                    </a:lnL>
+                    <a:lnR w="0" cap="flat" cmpd="sng" algn="ctr">
+                      <a:noFill/>
+                    </a:lnR>
+                    <a:lnT w="0" cap="flat" cmpd="sng" algn="ctr">
+                      <a:noFill/>
+                    </a:lnT>
+                    <a:lnB w="0" cap="flat" cmpd="sng" algn="ctr">
+                      <a:noFill/>
+                    </a:lnB>
+                  </a:tcPr>
+                </a:tc>
+                <a:tc>
+                  <a:txBody>
+                    <a:bodyPr/>
+                    <a:lstStyle/>
+                    <a:p>
+                      <a:pPr algn="l"/>
+                      <a:r>
+                        <a:rPr lang="en-US" sz="1200" dirty="0">
+                          <a:solidFill>
+                            <a:srgbClr val="000000"/>
+                          </a:solidFill>
+                          <a:latin typeface="Arial" pitchFamily="34" charset="0"/>
+                          <a:ea typeface="Arial" pitchFamily="34" charset="-122"/>
+                          <a:cs typeface="Arial" pitchFamily="34" charset="-120"/>
+                        </a:rPr>
+                        <a:t>B1</a:t>
+                      </a:r>
+                      <a:endParaRPr lang="en-US" sz="1200" dirty="0">
+                        <a:latin typeface="Arial" charset="0"/>
+                        <a:ea typeface="Arial" charset="0"/>
+                        <a:cs typeface="Arial" charset="0"/>
+                      </a:endParaRPr>
+                    </a:p>
+                  </a:txBody>
+                  <a:tcPr marL="38100" marR="38100" marT="38100" marB="38100">
+                    <a:lnL w="0" cap="flat" cmpd="sng" algn="ctr">
+                      <a:noFill/>
+                    </a:lnL>
+                    <a:lnR w="0" cap="flat" cmpd="sng" algn="ctr">
+                      <a:noFill/>
+                    </a:lnR>
+                    <a:lnT w="0" cap="flat" cmpd="sng" algn="ctr">
+                      <a:noFill/>
+                    </a:lnT>
+                    <a:lnB w="0" cap="flat" cmpd="sng" algn="ctr">
+                      <a:noFill/>
+                    </a:lnB>
+                  </a:tcPr>
+                </a:tc>
+                <a:tc>
+                  <a:txBody>
+                    <a:bodyPr/>
+                    <a:lstStyle/>
+                    <a:p>
+                      <a:pPr algn="l"/>
+                      <a:r>
+                        <a:rPr lang="en-US" sz="1200" dirty="0">
+                          <a:solidFill>
+                            <a:srgbClr val="000000"/>
+                          </a:solidFill>
+                          <a:latin typeface="Arial" pitchFamily="34" charset="0"/>
+                          <a:ea typeface="Arial" pitchFamily="34" charset="-122"/>
+                          <a:cs typeface="Arial" pitchFamily="34" charset="-120"/>
+                        </a:rPr>
+                        <a:t>C1</a:t>
+                      </a:r>
+                      <a:endParaRPr lang="en-US" sz="1200" dirty="0">
+                        <a:latin typeface="Arial" charset="0"/>
+                        <a:ea typeface="Arial" charset="0"/>
+                        <a:cs typeface="Arial" charset="0"/>
+                      </a:endParaRPr>
+                    </a:p>
+                  </a:txBody>
+                  <a:tcPr marL="38100" marR="38100" marT="38100" marB="38100">
+                    <a:lnL w="0" cap="flat" cmpd="sng" algn="ctr">
+                      <a:noFill/>
+                    </a:lnL>
+                    <a:lnR w="0" cap="flat" cmpd="sng" algn="ctr">
+                      <a:noFill/>
+                    </a:lnR>
+                    <a:lnT w="0" cap="flat" cmpd="sng" algn="ctr">
+                      <a:noFill/>
+                    </a:lnT>
+                    <a:lnB w="0" cap="flat" cmpd="sng" algn="ctr">
+                      <a:noFill/>
+                    </a:lnB>
+                  </a:tcPr>
+                </a:tc>
+              </a:tr>
+            </a:tbl>
+          </a:graphicData>
+        </a:graphic>
+      </p:graphicFrame>
+      <p:graphicFrame>
+        <p:nvGraphicFramePr>
+          <p:cNvPr id="11" name="Table 10"/>
+          <p:cNvGraphicFramePr>
+            <a:graphicFrameLocks noGrp="1"/>
+          </p:cNvGraphicFramePr>
+          <p:nvPr>
+            <p:extLst>
+              <p:ext uri="{D42A27DB-BD31-4B8C-83A1-F6EECF244321}">
+                <p14:modId xmlns:p14="http://schemas.microsoft.com/office/powerpoint/2010/main" val="1579011935"/>
+              </p:ext>
+            </p:extLst>
+          </p:nvPr>
+        </p:nvGraphicFramePr>
+        <p:xfrm>
+          <a:off x="457200" y="2743200"/>
+          <a:ext cx="8229600" cy="914400"/>
+        </p:xfrm>
+        <a:graphic>
+          <a:graphicData uri="http://schemas.openxmlformats.org/drawingml/2006/table">
+            <a:tbl>
+              <a:tblPr/>
+              <a:tblGrid>
+                <a:gridCol w="2743200"/>
+                <a:gridCol w="2743200"/>
+                <a:gridCol w="2743200"/>
+              </a:tblGrid>
+              <a:tr h="914400">
+                <a:tc>
+                  <a:txBody>
+                    <a:bodyPr/>
+                    <a:lstStyle/>
+                    <a:p>
+                      <a:pPr algn="l"/>
+                      <a:r>
+                        <a:rPr lang="en-US" sz="1200" dirty="0">
+                          <a:solidFill>
+                            <a:srgbClr val="000000"/>
+                          </a:solidFill>
+                          <a:latin typeface="Arial" pitchFamily="34" charset="0"/>
+                          <a:ea typeface="Arial" pitchFamily="34" charset="-122"/>
+                          <a:cs typeface="Arial" pitchFamily="34" charset="-120"/>
+                        </a:rPr>
+                        <a:t>Top Lft</a:t>
+                      </a:r>
+                      <a:endParaRPr lang="en-US" sz="1200" dirty="0">
+                        <a:latin typeface="Arial" charset="0"/>
+                        <a:ea typeface="Arial" charset="0"/>
+                        <a:cs typeface="Arial" charset="0"/>
+                      </a:endParaRPr>
+                    </a:p>
+                  </a:txBody>
+                  <a:tcPr marL="38100" marR="38100" marT="38100" marB="38100">
+                    <a:lnL w="0" cap="flat" cmpd="sng" algn="ctr">
+                      <a:noFill/>
+                    </a:lnL>
+                    <a:lnR w="0" cap="flat" cmpd="sng" algn="ctr">
+                      <a:noFill/>
+                    </a:lnR>
+                    <a:lnT w="0" cap="flat" cmpd="sng" algn="ctr">
+                      <a:noFill/>
+                    </a:lnT>
+                    <a:lnB w="0" cap="flat" cmpd="sng" algn="ctr">
+                      <a:noFill/>
+                    </a:lnB>
+                  </a:tcPr>
+                </a:tc>
+                <a:tc>
+                  <a:txBody>
+                    <a:bodyPr/>
+                    <a:lstStyle/>
+                    <a:p>
+                      <a:pPr algn="ctr"/>
+                      <a:r>
+                        <a:rPr lang="en-US" sz="1200" dirty="0">
+                          <a:solidFill>
+                            <a:srgbClr val="000000"/>
+                          </a:solidFill>
+                          <a:latin typeface="Verdana" pitchFamily="34" charset="0"/>
+                          <a:ea typeface="Verdana" pitchFamily="34" charset="-122"/>
+                          <a:cs typeface="Verdana" pitchFamily="34" charset="-120"/>
+                        </a:rPr>
+                        <a:t>Top Ctr</a:t>
+                      </a:r>
+                      <a:endParaRPr lang="en-US" sz="1200" dirty="0">
+                        <a:latin typeface="Verdana" charset="0"/>
+                        <a:ea typeface="Verdana" charset="0"/>
+                        <a:cs typeface="Verdana" charset="0"/>
+                      </a:endParaRPr>
+                    </a:p>
+                  </a:txBody>
+                  <a:tcPr marL="38100" marR="38100" marT="38100" marB="38100">
+                    <a:lnL w="0" cap="flat" cmpd="sng" algn="ctr">
+                      <a:noFill/>
+                    </a:lnL>
+                    <a:lnR w="0" cap="flat" cmpd="sng" algn="ctr">
+                      <a:noFill/>
+                    </a:lnR>
+                    <a:lnT w="0" cap="flat" cmpd="sng" algn="ctr">
+                      <a:noFill/>
+                    </a:lnT>
+                    <a:lnB w="0" cap="flat" cmpd="sng" algn="ctr">
+                      <a:noFill/>
+                    </a:lnB>
+                  </a:tcPr>
+                </a:tc>
+                <a:tc>
+                  <a:txBody>
+                    <a:bodyPr/>
+                    <a:lstStyle/>
+                    <a:p>
+                      <a:pPr algn="r"/>
+                      <a:r>
+                        <a:rPr lang="en-US" sz="1200" dirty="0">
+                          <a:solidFill>
+                            <a:srgbClr val="000000"/>
+                          </a:solidFill>
+                          <a:latin typeface="Courier" pitchFamily="34" charset="0"/>
+                          <a:ea typeface="Courier" pitchFamily="34" charset="-122"/>
+                          <a:cs typeface="Courier" pitchFamily="34" charset="-120"/>
+                        </a:rPr>
+                        <a:t>Top Rgt</a:t>
+                      </a:r>
+                      <a:endParaRPr lang="en-US" sz="1200" dirty="0">
+                        <a:latin typeface="Courier" charset="0"/>
+                        <a:ea typeface="Courier" charset="0"/>
+                        <a:cs typeface="Courier" charset="0"/>
+                      </a:endParaRPr>
+                    </a:p>
+                  </a:txBody>
+                  <a:tcPr marL="38100" marR="38100" marT="38100" marB="38100">
+                    <a:lnL w="0" cap="flat" cmpd="sng" algn="ctr">
+                      <a:noFill/>
+                    </a:lnL>
+                    <a:lnR w="0" cap="flat" cmpd="sng" algn="ctr">
+                      <a:noFill/>
+                    </a:lnR>
+                    <a:lnT w="0" cap="flat" cmpd="sng" algn="ctr">
+                      <a:noFill/>
+                    </a:lnT>
+                    <a:lnB w="0" cap="flat" cmpd="sng" algn="ctr">
+                      <a:noFill/>
+                    </a:lnB>
+                  </a:tcPr>
+                </a:tc>
+              </a:tr>
+            </a:tbl>
+          </a:graphicData>
+        </a:graphic>
+      </p:graphicFrame>
+      <p:sp>
+        <p:nvSpPr>
+          <p:cNvPr id="4" name="Object3"/>
+          <p:cNvSpPr/>
+          <p:nvPr>
+            <p:ph idx="102" type="body" hasCustomPrompt="1"/>
+          </p:nvPr>
+        </p:nvSpPr>
+        <p:spPr>
+          <a:xfrm>
+            <a:off x="548640" y="1371600"/>
+            <a:ext cx="10972800" cy="4800600"/>
+          </a:xfrm>
+          <a:prstGeom prst="rect">
+            <a:avLst/>
+          </a:prstGeom>
+          <a:noFill/>
+          <a:ln/>
+        </p:spPr>
+        <p:txBody>
+          <a:bodyPr wrap="square" rtlCol="0"/>
+          <a:lstStyle/>
+          <a:p>
+            <a:pPr/>
+            <a:endParaRPr lang="en-US" dirty="0"/>
+          </a:p>
+        </p:txBody>
+      </p:sp>
+      <p:sp>
+        <p:nvSpPr>
+          <p:cNvPr id="5" name="Object4"/>
+          <p:cNvSpPr/>
+          <p:nvPr>
+            <p:ph idx="103" type="title" hasCustomPrompt="1"/>
+          </p:nvPr>
+        </p:nvSpPr>
+        <p:spPr>
+          <a:xfrm>
+            <a:off x="274320" y="274320"/>
+            <a:ext cx="9144000" cy="685800"/>
+          </a:xfrm>
+          <a:prstGeom prst="rect">
+            <a:avLst/>
+          </a:prstGeom>
+          <a:noFill/>
+          <a:ln/>
+        </p:spPr>
+        <p:txBody>
+          <a:bodyPr wrap="square" rtlCol="0"/>
+          <a:lstStyle/>
+          <a:p>
+            <a:pPr/>
+            <a:endParaRPr lang="en-US" dirty="0"/>
+          </a:p>
+        </p:txBody>
+      </p:sp>
+      <p:sp>
+        <p:nvSpPr>
+          <p:cNvPr id="25" name="Slide Number Placeholder 24"/>
+          <p:cNvSpPr>
+            <a:spLocks noGrp="1"/>
+          </p:cNvSpPr>
+          <p:nvPr>
+            <p:ph type="sldNum" sz="quarter" idx="4294967295"/>
+          </p:nvPr>
+        </p:nvSpPr>
+        <p:spPr>
+          <a:xfrm>
+            <a:off x="10972800" y="6172200"/>
+            <a:ext cx="800000" cy="300000"/>
+          </a:xfrm>
+          <a:prstGeom prst="rect">
+            <a:avLst/>
+          </a:prstGeom>
+          <a:extLst>
+            <a:ext uri="{C572A759-6A51-4108-AA02-DFA0A04FC94B}">
+              <ma14:wrappingTextBoxFlag xmlns:ma14="http://schemas.microsoft.com/office/mac/drawingml/2011/main" val="0"/>
+            </a:ext>
+          </a:extLst>
+        </p:spPr>
+        <p:txBody>
+          <a:bodyPr/>
+          <a:lstStyle>
+            <a:lvl1pPr/>
+          </a:lstStyle>
+          <a:p>
+            <a:fld id="{F7021451-1387-4CA6-816F-3879F97B5CBC}" type="slidenum">
+              <a:rPr lang="en-US"/>
+              <a:pPr algn="l"/>
+              <a:t/>
+            </a:fld>
+            <a:endParaRPr lang="en-US"/>
           </a:p>
         </p:txBody>
       </p:sp>

--- a/Gen-PowerPoint-Demo.pptx
+++ b/Gen-PowerPoint-Demo.pptx
@@ -111,7 +111,7 @@
   <p:extLst>
     <p:ext uri="{521415D9-36F7-43E2-AB2F-B90AF26B5E84}">
       <p14:sectionLst xmlns:p14="http://schemas.microsoft.com/office/powerpoint/2010/main">
-        <p14:section name="Tables" id="{a518e141-fbbe-9255-60a5-55a842039926}">
+        <p14:section name="Tables" id="{c1ebfcac-0d1e-9b5c-1c4c-350c2adfbd5b}">
           <p14:sldIdLst>
             <p14:sldId id="258"/>
             <p14:sldId id="259"/>
@@ -127,7 +127,7 @@
 </p:presentation>
 </file>
 
-<file path=ppt/charts/chart30.xml><?xml version="1.0" encoding="utf-8"?>
+<file path=ppt/charts/chart1.xml><?xml version="1.0" encoding="utf-8"?>
 <c:chartSpace xmlns:c="http://schemas.openxmlformats.org/drawingml/2006/chart" xmlns:a="http://schemas.openxmlformats.org/drawingml/2006/main" xmlns:r="http://schemas.openxmlformats.org/officeDocument/2006/relationships">
   <c:date1904 val="0"/>
   <c:chart>
